--- a/Documentação/Usabilidade/Proto-Persona.pptx
+++ b/Documentação/Usabilidade/Proto-Persona.pptx
@@ -7,6 +7,8 @@
   <p:sldIdLst>
     <p:sldId id="284" r:id="rId2"/>
     <p:sldId id="286" r:id="rId3"/>
+    <p:sldId id="287" r:id="rId4"/>
+    <p:sldId id="288" r:id="rId5"/>
   </p:sldIdLst>
   <p:sldSz cx="13449300" cy="7562850"/>
   <p:notesSz cx="13449300" cy="7562850"/>
@@ -127,7 +129,9 @@
 <file path=ppt/revisionInfo.xml><?xml version="1.0" encoding="utf-8"?>
 <p1510:revInfo xmlns:a="http://schemas.openxmlformats.org/drawingml/2006/main" xmlns:r="http://schemas.openxmlformats.org/officeDocument/2006/relationships" xmlns:p1510="http://schemas.microsoft.com/office/powerpoint/2015/10/main">
   <p1510:revLst>
+    <p1510:client id="{340321CD-624B-334B-0A55-1BA24CD73B8D}" v="618" dt="2022-02-10T01:11:06.738"/>
     <p1510:client id="{9BEADEAA-0AB2-7628-EAA5-E6E345F62394}" v="1180" dt="2021-09-01T22:05:59.890"/>
+    <p1510:client id="{AA7D78EB-1155-3C21-EF3E-385883F612FC}" v="573" dt="2022-02-11T00:32:01.518"/>
   </p1510:revLst>
 </p1510:revInfo>
 </file>
@@ -277,7 +281,7 @@
           <a:p>
             <a:fld id="{1D8BD707-D9CF-40AE-B4C6-C98DA3205C09}" type="datetimeFigureOut">
               <a:rPr lang="en-US"/>
-              <a:t>9/1/2021</a:t>
+              <a:t>2/10/2022</a:t>
             </a:fld>
             <a:endParaRPr lang="en-US"/>
           </a:p>
@@ -315,7 +319,7 @@
             </a:pPr>
             <a:fld id="{81D60167-4931-47E6-BA6A-407CBD079E47}" type="slidenum">
               <a:rPr spc="5" dirty="0"/>
-              <a:t>‹nº›</a:t>
+              <a:t>‹#›</a:t>
             </a:fld>
             <a:endParaRPr spc="5" dirty="0"/>
           </a:p>
@@ -460,7 +464,7 @@
           <a:p>
             <a:fld id="{1D8BD707-D9CF-40AE-B4C6-C98DA3205C09}" type="datetimeFigureOut">
               <a:rPr lang="en-US"/>
-              <a:t>9/1/2021</a:t>
+              <a:t>2/10/2022</a:t>
             </a:fld>
             <a:endParaRPr lang="en-US"/>
           </a:p>
@@ -498,7 +502,7 @@
             </a:pPr>
             <a:fld id="{81D60167-4931-47E6-BA6A-407CBD079E47}" type="slidenum">
               <a:rPr spc="5" dirty="0"/>
-              <a:t>‹nº›</a:t>
+              <a:t>‹#›</a:t>
             </a:fld>
             <a:endParaRPr spc="5" dirty="0"/>
           </a:p>
@@ -1065,7 +1069,7 @@
           <a:p>
             <a:fld id="{1D8BD707-D9CF-40AE-B4C6-C98DA3205C09}" type="datetimeFigureOut">
               <a:rPr lang="en-US"/>
-              <a:t>9/1/2021</a:t>
+              <a:t>2/10/2022</a:t>
             </a:fld>
             <a:endParaRPr lang="en-US"/>
           </a:p>
@@ -1103,7 +1107,7 @@
             </a:pPr>
             <a:fld id="{81D60167-4931-47E6-BA6A-407CBD079E47}" type="slidenum">
               <a:rPr spc="5" dirty="0"/>
-              <a:t>‹nº›</a:t>
+              <a:t>‹#›</a:t>
             </a:fld>
             <a:endParaRPr spc="5" dirty="0"/>
           </a:p>
@@ -1219,7 +1223,7 @@
           <a:p>
             <a:fld id="{1D8BD707-D9CF-40AE-B4C6-C98DA3205C09}" type="datetimeFigureOut">
               <a:rPr lang="en-US"/>
-              <a:t>9/1/2021</a:t>
+              <a:t>2/10/2022</a:t>
             </a:fld>
             <a:endParaRPr lang="en-US"/>
           </a:p>
@@ -1257,7 +1261,7 @@
             </a:pPr>
             <a:fld id="{81D60167-4931-47E6-BA6A-407CBD079E47}" type="slidenum">
               <a:rPr spc="5" dirty="0"/>
-              <a:t>‹nº›</a:t>
+              <a:t>‹#›</a:t>
             </a:fld>
             <a:endParaRPr spc="5" dirty="0"/>
           </a:p>
@@ -1352,7 +1356,7 @@
           <a:p>
             <a:fld id="{1D8BD707-D9CF-40AE-B4C6-C98DA3205C09}" type="datetimeFigureOut">
               <a:rPr lang="en-US"/>
-              <a:t>9/1/2021</a:t>
+              <a:t>2/10/2022</a:t>
             </a:fld>
             <a:endParaRPr lang="en-US"/>
           </a:p>
@@ -1390,7 +1394,7 @@
             </a:pPr>
             <a:fld id="{81D60167-4931-47E6-BA6A-407CBD079E47}" type="slidenum">
               <a:rPr spc="5" dirty="0"/>
-              <a:t>‹nº›</a:t>
+              <a:t>‹#›</a:t>
             </a:fld>
             <a:endParaRPr spc="5" dirty="0"/>
           </a:p>
@@ -1883,7 +1887,7 @@
           <a:p>
             <a:fld id="{1D8BD707-D9CF-40AE-B4C6-C98DA3205C09}" type="datetimeFigureOut">
               <a:rPr lang="en-US"/>
-              <a:t>9/1/2021</a:t>
+              <a:t>2/10/2022</a:t>
             </a:fld>
             <a:endParaRPr lang="en-US"/>
           </a:p>
@@ -1931,7 +1935,7 @@
             </a:pPr>
             <a:fld id="{81D60167-4931-47E6-BA6A-407CBD079E47}" type="slidenum">
               <a:rPr spc="5" dirty="0"/>
-              <a:t>‹nº›</a:t>
+              <a:t>‹#›</a:t>
             </a:fld>
             <a:endParaRPr spc="5" dirty="0"/>
           </a:p>
@@ -4304,6 +4308,4425 @@
     <p:extLst>
       <p:ext uri="{BB962C8B-B14F-4D97-AF65-F5344CB8AC3E}">
         <p14:creationId xmlns:p14="http://schemas.microsoft.com/office/powerpoint/2010/main" val="2252540657"/>
+      </p:ext>
+    </p:extLst>
+  </p:cSld>
+  <p:clrMapOvr>
+    <a:masterClrMapping/>
+  </p:clrMapOvr>
+</p:sld>
+</file>
+
+<file path=ppt/slides/slide3.xml><?xml version="1.0" encoding="utf-8"?>
+<p:sld xmlns:a="http://schemas.openxmlformats.org/drawingml/2006/main" xmlns:r="http://schemas.openxmlformats.org/officeDocument/2006/relationships" xmlns:p="http://schemas.openxmlformats.org/presentationml/2006/main">
+  <p:cSld>
+    <p:spTree>
+      <p:nvGrpSpPr>
+        <p:cNvPr id="1" name=""/>
+        <p:cNvGrpSpPr/>
+        <p:nvPr/>
+      </p:nvGrpSpPr>
+      <p:grpSpPr>
+        <a:xfrm>
+          <a:off x="0" y="0"/>
+          <a:ext cx="0" cy="0"/>
+          <a:chOff x="0" y="0"/>
+          <a:chExt cx="0" cy="0"/>
+        </a:xfrm>
+      </p:grpSpPr>
+      <p:sp>
+        <p:nvSpPr>
+          <p:cNvPr id="14" name="object 14"/>
+          <p:cNvSpPr txBox="1"/>
+          <p:nvPr/>
+        </p:nvSpPr>
+        <p:spPr>
+          <a:xfrm>
+            <a:off x="13135564" y="7238187"/>
+            <a:ext cx="114935" cy="217804"/>
+          </a:xfrm>
+          <a:prstGeom prst="rect">
+            <a:avLst/>
+          </a:prstGeom>
+        </p:spPr>
+        <p:txBody>
+          <a:bodyPr vert="horz" wrap="square" lIns="0" tIns="13970" rIns="0" bIns="0" rtlCol="0">
+            <a:spAutoFit/>
+          </a:bodyPr>
+          <a:lstStyle/>
+          <a:p>
+            <a:pPr marL="12700">
+              <a:lnSpc>
+                <a:spcPct val="100000"/>
+              </a:lnSpc>
+              <a:spcBef>
+                <a:spcPts val="110"/>
+              </a:spcBef>
+            </a:pPr>
+            <a:r>
+              <a:rPr sz="1250" b="1" spc="5" dirty="0">
+                <a:solidFill>
+                  <a:srgbClr val="FFFFFF"/>
+                </a:solidFill>
+                <a:latin typeface="Arial"/>
+                <a:cs typeface="Arial"/>
+              </a:rPr>
+              <a:t>1</a:t>
+            </a:r>
+            <a:endParaRPr sz="1250">
+              <a:latin typeface="Arial"/>
+              <a:cs typeface="Arial"/>
+            </a:endParaRPr>
+          </a:p>
+        </p:txBody>
+      </p:sp>
+      <p:pic>
+        <p:nvPicPr>
+          <p:cNvPr id="9" name="Picture 14" descr="Graphical user interface&#10;&#10;Description automatically generated">
+            <a:extLst>
+              <a:ext uri="{FF2B5EF4-FFF2-40B4-BE49-F238E27FC236}">
+                <a16:creationId xmlns:a16="http://schemas.microsoft.com/office/drawing/2014/main" id="{43000AB7-D0B1-449C-B984-B865582F0F1D}"/>
+              </a:ext>
+            </a:extLst>
+          </p:cNvPr>
+          <p:cNvPicPr>
+            <a:picLocks noChangeAspect="1"/>
+          </p:cNvPicPr>
+          <p:nvPr/>
+        </p:nvPicPr>
+        <p:blipFill>
+          <a:blip r:embed="rId2"/>
+          <a:stretch>
+            <a:fillRect/>
+          </a:stretch>
+        </p:blipFill>
+        <p:spPr>
+          <a:xfrm>
+            <a:off x="1895694" y="342542"/>
+            <a:ext cx="10229994" cy="7014140"/>
+          </a:xfrm>
+          <a:prstGeom prst="rect">
+            <a:avLst/>
+          </a:prstGeom>
+        </p:spPr>
+      </p:pic>
+      <p:sp>
+        <p:nvSpPr>
+          <p:cNvPr id="15" name="TextBox 14">
+            <a:extLst>
+              <a:ext uri="{FF2B5EF4-FFF2-40B4-BE49-F238E27FC236}">
+                <a16:creationId xmlns:a16="http://schemas.microsoft.com/office/drawing/2014/main" id="{4882BFE2-01EF-42AF-8F22-A62DB3ECDDF3}"/>
+              </a:ext>
+            </a:extLst>
+          </p:cNvPr>
+          <p:cNvSpPr txBox="1"/>
+          <p:nvPr/>
+        </p:nvSpPr>
+        <p:spPr>
+          <a:xfrm>
+            <a:off x="5448340" y="460545"/>
+            <a:ext cx="2033669" cy="369332"/>
+          </a:xfrm>
+          <a:prstGeom prst="rect">
+            <a:avLst/>
+          </a:prstGeom>
+          <a:noFill/>
+        </p:spPr>
+        <p:txBody>
+          <a:bodyPr rot="0" spcFirstLastPara="0" vertOverflow="overflow" horzOverflow="overflow" vert="horz" wrap="square" lIns="91440" tIns="45720" rIns="91440" bIns="45720" numCol="1" spcCol="0" rtlCol="0" fromWordArt="0" anchor="t" anchorCtr="0" forceAA="0" compatLnSpc="1">
+            <a:prstTxWarp prst="textNoShape">
+              <a:avLst/>
+            </a:prstTxWarp>
+            <a:spAutoFit/>
+          </a:bodyPr>
+          <a:lstStyle/>
+          <a:p>
+            <a:pPr algn="l"/>
+            <a:r>
+              <a:rPr lang="en-US" dirty="0" err="1"/>
+              <a:t>Doméstica</a:t>
+            </a:r>
+            <a:endParaRPr lang="en-US" dirty="0" err="1">
+              <a:cs typeface="Calibri"/>
+            </a:endParaRPr>
+          </a:p>
+        </p:txBody>
+      </p:sp>
+      <p:sp>
+        <p:nvSpPr>
+          <p:cNvPr id="20" name="TextBox 19">
+            <a:extLst>
+              <a:ext uri="{FF2B5EF4-FFF2-40B4-BE49-F238E27FC236}">
+                <a16:creationId xmlns:a16="http://schemas.microsoft.com/office/drawing/2014/main" id="{D1640712-C913-488A-948B-33D11C937B8E}"/>
+              </a:ext>
+            </a:extLst>
+          </p:cNvPr>
+          <p:cNvSpPr txBox="1"/>
+          <p:nvPr/>
+        </p:nvSpPr>
+        <p:spPr>
+          <a:xfrm>
+            <a:off x="8160013" y="460573"/>
+            <a:ext cx="1250009" cy="369332"/>
+          </a:xfrm>
+          <a:prstGeom prst="rect">
+            <a:avLst/>
+          </a:prstGeom>
+          <a:noFill/>
+        </p:spPr>
+        <p:txBody>
+          <a:bodyPr rot="0" spcFirstLastPara="0" vertOverflow="overflow" horzOverflow="overflow" vert="horz" wrap="square" lIns="91440" tIns="45720" rIns="91440" bIns="45720" numCol="1" spcCol="0" rtlCol="0" fromWordArt="0" anchor="t" anchorCtr="0" forceAA="0" compatLnSpc="1">
+            <a:prstTxWarp prst="textNoShape">
+              <a:avLst/>
+            </a:prstTxWarp>
+            <a:spAutoFit/>
+          </a:bodyPr>
+          <a:lstStyle/>
+          <a:p>
+            <a:pPr algn="l"/>
+            <a:r>
+              <a:rPr lang="en-US" dirty="0" err="1"/>
+              <a:t>IClean</a:t>
+            </a:r>
+            <a:endParaRPr lang="en-US" dirty="0" err="1">
+              <a:cs typeface="Calibri"/>
+            </a:endParaRPr>
+          </a:p>
+        </p:txBody>
+      </p:sp>
+      <p:sp>
+        <p:nvSpPr>
+          <p:cNvPr id="22" name="TextBox 21">
+            <a:extLst>
+              <a:ext uri="{FF2B5EF4-FFF2-40B4-BE49-F238E27FC236}">
+                <a16:creationId xmlns:a16="http://schemas.microsoft.com/office/drawing/2014/main" id="{8A025771-623D-42B3-A34D-1CD54EE136B5}"/>
+              </a:ext>
+            </a:extLst>
+          </p:cNvPr>
+          <p:cNvSpPr txBox="1"/>
+          <p:nvPr/>
+        </p:nvSpPr>
+        <p:spPr>
+          <a:xfrm>
+            <a:off x="10067585" y="460601"/>
+            <a:ext cx="1387679" cy="369332"/>
+          </a:xfrm>
+          <a:prstGeom prst="rect">
+            <a:avLst/>
+          </a:prstGeom>
+          <a:noFill/>
+        </p:spPr>
+        <p:txBody>
+          <a:bodyPr rot="0" spcFirstLastPara="0" vertOverflow="overflow" horzOverflow="overflow" vert="horz" wrap="square" lIns="91440" tIns="45720" rIns="91440" bIns="45720" numCol="1" spcCol="0" rtlCol="0" fromWordArt="0" anchor="t" anchorCtr="0" forceAA="0" compatLnSpc="1">
+            <a:prstTxWarp prst="textNoShape">
+              <a:avLst/>
+            </a:prstTxWarp>
+            <a:spAutoFit/>
+          </a:bodyPr>
+          <a:lstStyle/>
+          <a:p>
+            <a:pPr algn="l"/>
+            <a:r>
+              <a:rPr lang="en-US" dirty="0"/>
+              <a:t>09/02/2022</a:t>
+            </a:r>
+            <a:endParaRPr lang="en-US" dirty="0" err="1">
+              <a:cs typeface="Calibri"/>
+            </a:endParaRPr>
+          </a:p>
+        </p:txBody>
+      </p:sp>
+      <p:sp>
+        <p:nvSpPr>
+          <p:cNvPr id="17" name="Rectangle 16">
+            <a:extLst>
+              <a:ext uri="{FF2B5EF4-FFF2-40B4-BE49-F238E27FC236}">
+                <a16:creationId xmlns:a16="http://schemas.microsoft.com/office/drawing/2014/main" id="{15EA9719-DFC9-4048-B12D-210E7B5BBDA5}"/>
+              </a:ext>
+            </a:extLst>
+          </p:cNvPr>
+          <p:cNvSpPr/>
+          <p:nvPr/>
+        </p:nvSpPr>
+        <p:spPr>
+          <a:xfrm>
+            <a:off x="4832746" y="1439123"/>
+            <a:ext cx="487732" cy="111016"/>
+          </a:xfrm>
+          <a:prstGeom prst="rect">
+            <a:avLst/>
+          </a:prstGeom>
+        </p:spPr>
+        <p:style>
+          <a:lnRef idx="2">
+            <a:schemeClr val="accent1">
+              <a:shade val="50000"/>
+            </a:schemeClr>
+          </a:lnRef>
+          <a:fillRef idx="1">
+            <a:schemeClr val="accent1"/>
+          </a:fillRef>
+          <a:effectRef idx="0">
+            <a:schemeClr val="accent1"/>
+          </a:effectRef>
+          <a:fontRef idx="minor">
+            <a:schemeClr val="lt1"/>
+          </a:fontRef>
+        </p:style>
+        <p:txBody>
+          <a:bodyPr rtlCol="0" anchor="ctr"/>
+          <a:lstStyle/>
+          <a:p>
+            <a:pPr algn="ctr"/>
+            <a:endParaRPr lang="en-US"/>
+          </a:p>
+        </p:txBody>
+      </p:sp>
+      <p:sp>
+        <p:nvSpPr>
+          <p:cNvPr id="25" name="Rectangle 24">
+            <a:extLst>
+              <a:ext uri="{FF2B5EF4-FFF2-40B4-BE49-F238E27FC236}">
+                <a16:creationId xmlns:a16="http://schemas.microsoft.com/office/drawing/2014/main" id="{C9743AC3-DF3C-4F0D-9FB8-8E10F2BB3A91}"/>
+              </a:ext>
+            </a:extLst>
+          </p:cNvPr>
+          <p:cNvSpPr/>
+          <p:nvPr/>
+        </p:nvSpPr>
+        <p:spPr>
+          <a:xfrm>
+            <a:off x="4833820" y="1740958"/>
+            <a:ext cx="1975042" cy="95139"/>
+          </a:xfrm>
+          <a:prstGeom prst="rect">
+            <a:avLst/>
+          </a:prstGeom>
+        </p:spPr>
+        <p:style>
+          <a:lnRef idx="2">
+            <a:schemeClr val="accent1">
+              <a:shade val="50000"/>
+            </a:schemeClr>
+          </a:lnRef>
+          <a:fillRef idx="1">
+            <a:schemeClr val="accent1"/>
+          </a:fillRef>
+          <a:effectRef idx="0">
+            <a:schemeClr val="accent1"/>
+          </a:effectRef>
+          <a:fontRef idx="minor">
+            <a:schemeClr val="lt1"/>
+          </a:fontRef>
+        </p:style>
+        <p:txBody>
+          <a:bodyPr rtlCol="0" anchor="ctr"/>
+          <a:lstStyle/>
+          <a:p>
+            <a:pPr algn="ctr"/>
+            <a:endParaRPr lang="en-US"/>
+          </a:p>
+        </p:txBody>
+      </p:sp>
+      <p:sp>
+        <p:nvSpPr>
+          <p:cNvPr id="27" name="Rectangle 26">
+            <a:extLst>
+              <a:ext uri="{FF2B5EF4-FFF2-40B4-BE49-F238E27FC236}">
+                <a16:creationId xmlns:a16="http://schemas.microsoft.com/office/drawing/2014/main" id="{621ED101-E396-4816-B107-1EC8D95B34EF}"/>
+              </a:ext>
+            </a:extLst>
+          </p:cNvPr>
+          <p:cNvSpPr/>
+          <p:nvPr/>
+        </p:nvSpPr>
+        <p:spPr>
+          <a:xfrm>
+            <a:off x="4833936" y="2016367"/>
+            <a:ext cx="1975042" cy="116308"/>
+          </a:xfrm>
+          <a:prstGeom prst="rect">
+            <a:avLst/>
+          </a:prstGeom>
+        </p:spPr>
+        <p:style>
+          <a:lnRef idx="2">
+            <a:schemeClr val="accent1">
+              <a:shade val="50000"/>
+            </a:schemeClr>
+          </a:lnRef>
+          <a:fillRef idx="1">
+            <a:schemeClr val="accent1"/>
+          </a:fillRef>
+          <a:effectRef idx="0">
+            <a:schemeClr val="accent1"/>
+          </a:effectRef>
+          <a:fontRef idx="minor">
+            <a:schemeClr val="lt1"/>
+          </a:fontRef>
+        </p:style>
+        <p:txBody>
+          <a:bodyPr rtlCol="0" anchor="ctr"/>
+          <a:lstStyle/>
+          <a:p>
+            <a:pPr algn="ctr"/>
+            <a:endParaRPr lang="en-US"/>
+          </a:p>
+        </p:txBody>
+      </p:sp>
+      <p:sp>
+        <p:nvSpPr>
+          <p:cNvPr id="28" name="Rectangle 27">
+            <a:extLst>
+              <a:ext uri="{FF2B5EF4-FFF2-40B4-BE49-F238E27FC236}">
+                <a16:creationId xmlns:a16="http://schemas.microsoft.com/office/drawing/2014/main" id="{65D824F8-B09C-4048-867B-8043165B19DD}"/>
+              </a:ext>
+            </a:extLst>
+          </p:cNvPr>
+          <p:cNvSpPr/>
+          <p:nvPr/>
+        </p:nvSpPr>
+        <p:spPr>
+          <a:xfrm>
+            <a:off x="4833994" y="2323506"/>
+            <a:ext cx="1975042" cy="116308"/>
+          </a:xfrm>
+          <a:prstGeom prst="rect">
+            <a:avLst/>
+          </a:prstGeom>
+        </p:spPr>
+        <p:style>
+          <a:lnRef idx="2">
+            <a:schemeClr val="accent1">
+              <a:shade val="50000"/>
+            </a:schemeClr>
+          </a:lnRef>
+          <a:fillRef idx="1">
+            <a:schemeClr val="accent1"/>
+          </a:fillRef>
+          <a:effectRef idx="0">
+            <a:schemeClr val="accent1"/>
+          </a:effectRef>
+          <a:fontRef idx="minor">
+            <a:schemeClr val="lt1"/>
+          </a:fontRef>
+        </p:style>
+        <p:txBody>
+          <a:bodyPr rtlCol="0" anchor="ctr"/>
+          <a:lstStyle/>
+          <a:p>
+            <a:pPr algn="ctr"/>
+            <a:endParaRPr lang="en-US"/>
+          </a:p>
+        </p:txBody>
+      </p:sp>
+      <p:sp>
+        <p:nvSpPr>
+          <p:cNvPr id="29" name="Rectangle 28">
+            <a:extLst>
+              <a:ext uri="{FF2B5EF4-FFF2-40B4-BE49-F238E27FC236}">
+                <a16:creationId xmlns:a16="http://schemas.microsoft.com/office/drawing/2014/main" id="{5AD71F0F-BD60-49CC-A96E-FB6D86C45117}"/>
+              </a:ext>
+            </a:extLst>
+          </p:cNvPr>
+          <p:cNvSpPr/>
+          <p:nvPr/>
+        </p:nvSpPr>
+        <p:spPr>
+          <a:xfrm>
+            <a:off x="4834051" y="2620055"/>
+            <a:ext cx="614762" cy="116308"/>
+          </a:xfrm>
+          <a:prstGeom prst="rect">
+            <a:avLst/>
+          </a:prstGeom>
+        </p:spPr>
+        <p:style>
+          <a:lnRef idx="2">
+            <a:schemeClr val="accent1">
+              <a:shade val="50000"/>
+            </a:schemeClr>
+          </a:lnRef>
+          <a:fillRef idx="1">
+            <a:schemeClr val="accent1"/>
+          </a:fillRef>
+          <a:effectRef idx="0">
+            <a:schemeClr val="accent1"/>
+          </a:effectRef>
+          <a:fontRef idx="minor">
+            <a:schemeClr val="lt1"/>
+          </a:fontRef>
+        </p:style>
+        <p:txBody>
+          <a:bodyPr rtlCol="0" anchor="ctr"/>
+          <a:lstStyle/>
+          <a:p>
+            <a:pPr algn="ctr"/>
+            <a:endParaRPr lang="en-US"/>
+          </a:p>
+        </p:txBody>
+      </p:sp>
+      <p:sp>
+        <p:nvSpPr>
+          <p:cNvPr id="30" name="Rectangle 29">
+            <a:extLst>
+              <a:ext uri="{FF2B5EF4-FFF2-40B4-BE49-F238E27FC236}">
+                <a16:creationId xmlns:a16="http://schemas.microsoft.com/office/drawing/2014/main" id="{1BF23D9E-67DA-4A6F-BED7-30D4BA95AC98}"/>
+              </a:ext>
+            </a:extLst>
+          </p:cNvPr>
+          <p:cNvSpPr/>
+          <p:nvPr/>
+        </p:nvSpPr>
+        <p:spPr>
+          <a:xfrm>
+            <a:off x="7205770" y="1433993"/>
+            <a:ext cx="254844" cy="95139"/>
+          </a:xfrm>
+          <a:prstGeom prst="rect">
+            <a:avLst/>
+          </a:prstGeom>
+        </p:spPr>
+        <p:style>
+          <a:lnRef idx="2">
+            <a:schemeClr val="accent1">
+              <a:shade val="50000"/>
+            </a:schemeClr>
+          </a:lnRef>
+          <a:fillRef idx="1">
+            <a:schemeClr val="accent1"/>
+          </a:fillRef>
+          <a:effectRef idx="0">
+            <a:schemeClr val="accent1"/>
+          </a:effectRef>
+          <a:fontRef idx="minor">
+            <a:schemeClr val="lt1"/>
+          </a:fontRef>
+        </p:style>
+        <p:txBody>
+          <a:bodyPr rtlCol="0" anchor="ctr"/>
+          <a:lstStyle/>
+          <a:p>
+            <a:pPr algn="ctr"/>
+            <a:endParaRPr lang="en-US"/>
+          </a:p>
+        </p:txBody>
+      </p:sp>
+      <p:sp>
+        <p:nvSpPr>
+          <p:cNvPr id="31" name="Rectangle 30">
+            <a:extLst>
+              <a:ext uri="{FF2B5EF4-FFF2-40B4-BE49-F238E27FC236}">
+                <a16:creationId xmlns:a16="http://schemas.microsoft.com/office/drawing/2014/main" id="{65AFC1CD-5376-4B68-A15A-7DAC4720C383}"/>
+              </a:ext>
+            </a:extLst>
+          </p:cNvPr>
+          <p:cNvSpPr/>
+          <p:nvPr/>
+        </p:nvSpPr>
+        <p:spPr>
+          <a:xfrm>
+            <a:off x="7205828" y="1714670"/>
+            <a:ext cx="556540" cy="121601"/>
+          </a:xfrm>
+          <a:prstGeom prst="rect">
+            <a:avLst/>
+          </a:prstGeom>
+        </p:spPr>
+        <p:style>
+          <a:lnRef idx="2">
+            <a:schemeClr val="accent1">
+              <a:shade val="50000"/>
+            </a:schemeClr>
+          </a:lnRef>
+          <a:fillRef idx="1">
+            <a:schemeClr val="accent1"/>
+          </a:fillRef>
+          <a:effectRef idx="0">
+            <a:schemeClr val="accent1"/>
+          </a:effectRef>
+          <a:fontRef idx="minor">
+            <a:schemeClr val="lt1"/>
+          </a:fontRef>
+        </p:style>
+        <p:txBody>
+          <a:bodyPr rtlCol="0" anchor="ctr"/>
+          <a:lstStyle/>
+          <a:p>
+            <a:pPr algn="ctr"/>
+            <a:endParaRPr lang="en-US"/>
+          </a:p>
+        </p:txBody>
+      </p:sp>
+      <p:sp>
+        <p:nvSpPr>
+          <p:cNvPr id="32" name="Rectangle 31">
+            <a:extLst>
+              <a:ext uri="{FF2B5EF4-FFF2-40B4-BE49-F238E27FC236}">
+                <a16:creationId xmlns:a16="http://schemas.microsoft.com/office/drawing/2014/main" id="{2FDC93A4-63B9-409C-B16E-D5C2AA9C19E8}"/>
+              </a:ext>
+            </a:extLst>
+          </p:cNvPr>
+          <p:cNvSpPr/>
+          <p:nvPr/>
+        </p:nvSpPr>
+        <p:spPr>
+          <a:xfrm>
+            <a:off x="7205886" y="2037681"/>
+            <a:ext cx="1054074" cy="95139"/>
+          </a:xfrm>
+          <a:prstGeom prst="rect">
+            <a:avLst/>
+          </a:prstGeom>
+        </p:spPr>
+        <p:style>
+          <a:lnRef idx="2">
+            <a:schemeClr val="accent1">
+              <a:shade val="50000"/>
+            </a:schemeClr>
+          </a:lnRef>
+          <a:fillRef idx="1">
+            <a:schemeClr val="accent1"/>
+          </a:fillRef>
+          <a:effectRef idx="0">
+            <a:schemeClr val="accent1"/>
+          </a:effectRef>
+          <a:fontRef idx="minor">
+            <a:schemeClr val="lt1"/>
+          </a:fontRef>
+        </p:style>
+        <p:txBody>
+          <a:bodyPr rtlCol="0" anchor="ctr"/>
+          <a:lstStyle/>
+          <a:p>
+            <a:pPr algn="ctr"/>
+            <a:endParaRPr lang="en-US"/>
+          </a:p>
+        </p:txBody>
+      </p:sp>
+      <p:sp>
+        <p:nvSpPr>
+          <p:cNvPr id="33" name="Rectangle 32">
+            <a:extLst>
+              <a:ext uri="{FF2B5EF4-FFF2-40B4-BE49-F238E27FC236}">
+                <a16:creationId xmlns:a16="http://schemas.microsoft.com/office/drawing/2014/main" id="{49ECC122-9718-4104-8F80-FBAA32591A74}"/>
+              </a:ext>
+            </a:extLst>
+          </p:cNvPr>
+          <p:cNvSpPr/>
+          <p:nvPr/>
+        </p:nvSpPr>
+        <p:spPr>
+          <a:xfrm>
+            <a:off x="7205944" y="2323651"/>
+            <a:ext cx="1292256" cy="116308"/>
+          </a:xfrm>
+          <a:prstGeom prst="rect">
+            <a:avLst/>
+          </a:prstGeom>
+        </p:spPr>
+        <p:style>
+          <a:lnRef idx="2">
+            <a:schemeClr val="accent1">
+              <a:shade val="50000"/>
+            </a:schemeClr>
+          </a:lnRef>
+          <a:fillRef idx="1">
+            <a:schemeClr val="accent1"/>
+          </a:fillRef>
+          <a:effectRef idx="0">
+            <a:schemeClr val="accent1"/>
+          </a:effectRef>
+          <a:fontRef idx="minor">
+            <a:schemeClr val="lt1"/>
+          </a:fontRef>
+        </p:style>
+        <p:txBody>
+          <a:bodyPr rtlCol="0" anchor="ctr"/>
+          <a:lstStyle/>
+          <a:p>
+            <a:pPr algn="ctr"/>
+            <a:endParaRPr lang="en-US"/>
+          </a:p>
+        </p:txBody>
+      </p:sp>
+      <p:sp>
+        <p:nvSpPr>
+          <p:cNvPr id="34" name="Rectangle 33">
+            <a:extLst>
+              <a:ext uri="{FF2B5EF4-FFF2-40B4-BE49-F238E27FC236}">
+                <a16:creationId xmlns:a16="http://schemas.microsoft.com/office/drawing/2014/main" id="{1605A90D-C51F-4BEB-AC48-237B095E7448}"/>
+              </a:ext>
+            </a:extLst>
+          </p:cNvPr>
+          <p:cNvSpPr/>
+          <p:nvPr/>
+        </p:nvSpPr>
+        <p:spPr>
+          <a:xfrm>
+            <a:off x="7206002" y="2620200"/>
+            <a:ext cx="159572" cy="116308"/>
+          </a:xfrm>
+          <a:prstGeom prst="rect">
+            <a:avLst/>
+          </a:prstGeom>
+        </p:spPr>
+        <p:style>
+          <a:lnRef idx="2">
+            <a:schemeClr val="accent1">
+              <a:shade val="50000"/>
+            </a:schemeClr>
+          </a:lnRef>
+          <a:fillRef idx="1">
+            <a:schemeClr val="accent1"/>
+          </a:fillRef>
+          <a:effectRef idx="0">
+            <a:schemeClr val="accent1"/>
+          </a:effectRef>
+          <a:fontRef idx="minor">
+            <a:schemeClr val="lt1"/>
+          </a:fontRef>
+        </p:style>
+        <p:txBody>
+          <a:bodyPr rtlCol="0" anchor="ctr"/>
+          <a:lstStyle/>
+          <a:p>
+            <a:pPr algn="ctr"/>
+            <a:endParaRPr lang="en-US"/>
+          </a:p>
+        </p:txBody>
+      </p:sp>
+      <p:sp>
+        <p:nvSpPr>
+          <p:cNvPr id="35" name="Rectangle 34">
+            <a:extLst>
+              <a:ext uri="{FF2B5EF4-FFF2-40B4-BE49-F238E27FC236}">
+                <a16:creationId xmlns:a16="http://schemas.microsoft.com/office/drawing/2014/main" id="{82F2400D-BB4F-41AC-AB80-1B3A78C4C599}"/>
+              </a:ext>
+            </a:extLst>
+          </p:cNvPr>
+          <p:cNvSpPr/>
+          <p:nvPr/>
+        </p:nvSpPr>
+        <p:spPr>
+          <a:xfrm>
+            <a:off x="9598896" y="2620229"/>
+            <a:ext cx="297187" cy="116308"/>
+          </a:xfrm>
+          <a:prstGeom prst="rect">
+            <a:avLst/>
+          </a:prstGeom>
+        </p:spPr>
+        <p:style>
+          <a:lnRef idx="2">
+            <a:schemeClr val="accent1">
+              <a:shade val="50000"/>
+            </a:schemeClr>
+          </a:lnRef>
+          <a:fillRef idx="1">
+            <a:schemeClr val="accent1"/>
+          </a:fillRef>
+          <a:effectRef idx="0">
+            <a:schemeClr val="accent1"/>
+          </a:effectRef>
+          <a:fontRef idx="minor">
+            <a:schemeClr val="lt1"/>
+          </a:fontRef>
+        </p:style>
+        <p:txBody>
+          <a:bodyPr rtlCol="0" anchor="ctr"/>
+          <a:lstStyle/>
+          <a:p>
+            <a:pPr algn="ctr"/>
+            <a:endParaRPr lang="en-US"/>
+          </a:p>
+        </p:txBody>
+      </p:sp>
+      <p:sp>
+        <p:nvSpPr>
+          <p:cNvPr id="36" name="Rectangle 35">
+            <a:extLst>
+              <a:ext uri="{FF2B5EF4-FFF2-40B4-BE49-F238E27FC236}">
+                <a16:creationId xmlns:a16="http://schemas.microsoft.com/office/drawing/2014/main" id="{220E1FB3-93F6-4C09-BBF4-B0192947D7A3}"/>
+              </a:ext>
+            </a:extLst>
+          </p:cNvPr>
+          <p:cNvSpPr/>
+          <p:nvPr/>
+        </p:nvSpPr>
+        <p:spPr>
+          <a:xfrm>
+            <a:off x="9598955" y="2323738"/>
+            <a:ext cx="1990920" cy="116308"/>
+          </a:xfrm>
+          <a:prstGeom prst="rect">
+            <a:avLst/>
+          </a:prstGeom>
+        </p:spPr>
+        <p:style>
+          <a:lnRef idx="2">
+            <a:schemeClr val="accent1">
+              <a:shade val="50000"/>
+            </a:schemeClr>
+          </a:lnRef>
+          <a:fillRef idx="1">
+            <a:schemeClr val="accent1"/>
+          </a:fillRef>
+          <a:effectRef idx="0">
+            <a:schemeClr val="accent1"/>
+          </a:effectRef>
+          <a:fontRef idx="minor">
+            <a:schemeClr val="lt1"/>
+          </a:fontRef>
+        </p:style>
+        <p:txBody>
+          <a:bodyPr rtlCol="0" anchor="ctr"/>
+          <a:lstStyle/>
+          <a:p>
+            <a:pPr algn="ctr"/>
+            <a:endParaRPr lang="en-US"/>
+          </a:p>
+        </p:txBody>
+      </p:sp>
+      <p:sp>
+        <p:nvSpPr>
+          <p:cNvPr id="37" name="Rectangle 36">
+            <a:extLst>
+              <a:ext uri="{FF2B5EF4-FFF2-40B4-BE49-F238E27FC236}">
+                <a16:creationId xmlns:a16="http://schemas.microsoft.com/office/drawing/2014/main" id="{AC7E48F9-1441-4E9F-8060-9CFC91920B32}"/>
+              </a:ext>
+            </a:extLst>
+          </p:cNvPr>
+          <p:cNvSpPr/>
+          <p:nvPr/>
+        </p:nvSpPr>
+        <p:spPr>
+          <a:xfrm>
+            <a:off x="9599012" y="2037826"/>
+            <a:ext cx="1440457" cy="95139"/>
+          </a:xfrm>
+          <a:prstGeom prst="rect">
+            <a:avLst/>
+          </a:prstGeom>
+        </p:spPr>
+        <p:style>
+          <a:lnRef idx="2">
+            <a:schemeClr val="accent1">
+              <a:shade val="50000"/>
+            </a:schemeClr>
+          </a:lnRef>
+          <a:fillRef idx="1">
+            <a:schemeClr val="accent1"/>
+          </a:fillRef>
+          <a:effectRef idx="0">
+            <a:schemeClr val="accent1"/>
+          </a:effectRef>
+          <a:fontRef idx="minor">
+            <a:schemeClr val="lt1"/>
+          </a:fontRef>
+        </p:style>
+        <p:txBody>
+          <a:bodyPr rtlCol="0" anchor="ctr"/>
+          <a:lstStyle/>
+          <a:p>
+            <a:pPr algn="ctr"/>
+            <a:endParaRPr lang="en-US"/>
+          </a:p>
+        </p:txBody>
+      </p:sp>
+      <p:sp>
+        <p:nvSpPr>
+          <p:cNvPr id="38" name="Rectangle 37">
+            <a:extLst>
+              <a:ext uri="{FF2B5EF4-FFF2-40B4-BE49-F238E27FC236}">
+                <a16:creationId xmlns:a16="http://schemas.microsoft.com/office/drawing/2014/main" id="{A26B3DC1-2EAF-49AE-8F3B-0862B29FFB0F}"/>
+              </a:ext>
+            </a:extLst>
+          </p:cNvPr>
+          <p:cNvSpPr/>
+          <p:nvPr/>
+        </p:nvSpPr>
+        <p:spPr>
+          <a:xfrm>
+            <a:off x="9599070" y="1714873"/>
+            <a:ext cx="297187" cy="121601"/>
+          </a:xfrm>
+          <a:prstGeom prst="rect">
+            <a:avLst/>
+          </a:prstGeom>
+        </p:spPr>
+        <p:style>
+          <a:lnRef idx="2">
+            <a:schemeClr val="accent1">
+              <a:shade val="50000"/>
+            </a:schemeClr>
+          </a:lnRef>
+          <a:fillRef idx="1">
+            <a:schemeClr val="accent1"/>
+          </a:fillRef>
+          <a:effectRef idx="0">
+            <a:schemeClr val="accent1"/>
+          </a:effectRef>
+          <a:fontRef idx="minor">
+            <a:schemeClr val="lt1"/>
+          </a:fontRef>
+        </p:style>
+        <p:txBody>
+          <a:bodyPr rtlCol="0" anchor="ctr"/>
+          <a:lstStyle/>
+          <a:p>
+            <a:pPr algn="ctr"/>
+            <a:endParaRPr lang="en-US"/>
+          </a:p>
+        </p:txBody>
+      </p:sp>
+      <p:sp>
+        <p:nvSpPr>
+          <p:cNvPr id="39" name="Rectangle 38">
+            <a:extLst>
+              <a:ext uri="{FF2B5EF4-FFF2-40B4-BE49-F238E27FC236}">
+                <a16:creationId xmlns:a16="http://schemas.microsoft.com/office/drawing/2014/main" id="{2944B6CB-A50D-4580-9B89-E12C5F3AA7B2}"/>
+              </a:ext>
+            </a:extLst>
+          </p:cNvPr>
+          <p:cNvSpPr/>
+          <p:nvPr/>
+        </p:nvSpPr>
+        <p:spPr>
+          <a:xfrm>
+            <a:off x="9589417" y="1424546"/>
+            <a:ext cx="301260" cy="124264"/>
+          </a:xfrm>
+          <a:prstGeom prst="rect">
+            <a:avLst/>
+          </a:prstGeom>
+        </p:spPr>
+        <p:style>
+          <a:lnRef idx="2">
+            <a:schemeClr val="accent1">
+              <a:shade val="50000"/>
+            </a:schemeClr>
+          </a:lnRef>
+          <a:fillRef idx="1">
+            <a:schemeClr val="accent1"/>
+          </a:fillRef>
+          <a:effectRef idx="0">
+            <a:schemeClr val="accent1"/>
+          </a:effectRef>
+          <a:fontRef idx="minor">
+            <a:schemeClr val="lt1"/>
+          </a:fontRef>
+        </p:style>
+        <p:txBody>
+          <a:bodyPr rtlCol="0" anchor="ctr"/>
+          <a:lstStyle/>
+          <a:p>
+            <a:pPr algn="ctr"/>
+            <a:endParaRPr lang="en-US"/>
+          </a:p>
+        </p:txBody>
+      </p:sp>
+      <p:sp>
+        <p:nvSpPr>
+          <p:cNvPr id="40" name="Rectangle 39">
+            <a:extLst>
+              <a:ext uri="{FF2B5EF4-FFF2-40B4-BE49-F238E27FC236}">
+                <a16:creationId xmlns:a16="http://schemas.microsoft.com/office/drawing/2014/main" id="{F5FB9D60-9ACA-416E-9149-E1B219D59257}"/>
+              </a:ext>
+            </a:extLst>
+          </p:cNvPr>
+          <p:cNvSpPr/>
+          <p:nvPr/>
+        </p:nvSpPr>
+        <p:spPr>
+          <a:xfrm>
+            <a:off x="4834688" y="3329898"/>
+            <a:ext cx="725914" cy="105724"/>
+          </a:xfrm>
+          <a:prstGeom prst="rect">
+            <a:avLst/>
+          </a:prstGeom>
+        </p:spPr>
+        <p:style>
+          <a:lnRef idx="2">
+            <a:schemeClr val="accent1">
+              <a:shade val="50000"/>
+            </a:schemeClr>
+          </a:lnRef>
+          <a:fillRef idx="1">
+            <a:schemeClr val="accent1"/>
+          </a:fillRef>
+          <a:effectRef idx="0">
+            <a:schemeClr val="accent1"/>
+          </a:effectRef>
+          <a:fontRef idx="minor">
+            <a:schemeClr val="lt1"/>
+          </a:fontRef>
+        </p:style>
+        <p:txBody>
+          <a:bodyPr rtlCol="0" anchor="ctr"/>
+          <a:lstStyle/>
+          <a:p>
+            <a:pPr algn="ctr"/>
+            <a:endParaRPr lang="en-US"/>
+          </a:p>
+        </p:txBody>
+      </p:sp>
+      <p:sp>
+        <p:nvSpPr>
+          <p:cNvPr id="41" name="Rectangle 40">
+            <a:extLst>
+              <a:ext uri="{FF2B5EF4-FFF2-40B4-BE49-F238E27FC236}">
+                <a16:creationId xmlns:a16="http://schemas.microsoft.com/office/drawing/2014/main" id="{FA871321-021D-4B94-A844-A6DD2D351CD0}"/>
+              </a:ext>
+            </a:extLst>
+          </p:cNvPr>
+          <p:cNvSpPr/>
+          <p:nvPr/>
+        </p:nvSpPr>
+        <p:spPr>
+          <a:xfrm>
+            <a:off x="4834746" y="3637032"/>
+            <a:ext cx="725914" cy="95139"/>
+          </a:xfrm>
+          <a:prstGeom prst="rect">
+            <a:avLst/>
+          </a:prstGeom>
+        </p:spPr>
+        <p:style>
+          <a:lnRef idx="2">
+            <a:schemeClr val="accent1">
+              <a:shade val="50000"/>
+            </a:schemeClr>
+          </a:lnRef>
+          <a:fillRef idx="1">
+            <a:schemeClr val="accent1"/>
+          </a:fillRef>
+          <a:effectRef idx="0">
+            <a:schemeClr val="accent1"/>
+          </a:effectRef>
+          <a:fontRef idx="minor">
+            <a:schemeClr val="lt1"/>
+          </a:fontRef>
+        </p:style>
+        <p:txBody>
+          <a:bodyPr rtlCol="0" anchor="ctr"/>
+          <a:lstStyle/>
+          <a:p>
+            <a:pPr algn="ctr"/>
+            <a:endParaRPr lang="en-US"/>
+          </a:p>
+        </p:txBody>
+      </p:sp>
+      <p:sp>
+        <p:nvSpPr>
+          <p:cNvPr id="42" name="Rectangle 41">
+            <a:extLst>
+              <a:ext uri="{FF2B5EF4-FFF2-40B4-BE49-F238E27FC236}">
+                <a16:creationId xmlns:a16="http://schemas.microsoft.com/office/drawing/2014/main" id="{D1D6C53C-EBD0-4C2F-9578-B42547C9428F}"/>
+              </a:ext>
+            </a:extLst>
+          </p:cNvPr>
+          <p:cNvSpPr/>
+          <p:nvPr/>
+        </p:nvSpPr>
+        <p:spPr>
+          <a:xfrm>
+            <a:off x="4834804" y="3923003"/>
+            <a:ext cx="1255206" cy="116307"/>
+          </a:xfrm>
+          <a:prstGeom prst="rect">
+            <a:avLst/>
+          </a:prstGeom>
+        </p:spPr>
+        <p:style>
+          <a:lnRef idx="2">
+            <a:schemeClr val="accent1">
+              <a:shade val="50000"/>
+            </a:schemeClr>
+          </a:lnRef>
+          <a:fillRef idx="1">
+            <a:schemeClr val="accent1"/>
+          </a:fillRef>
+          <a:effectRef idx="0">
+            <a:schemeClr val="accent1"/>
+          </a:effectRef>
+          <a:fontRef idx="minor">
+            <a:schemeClr val="lt1"/>
+          </a:fontRef>
+        </p:style>
+        <p:txBody>
+          <a:bodyPr rtlCol="0" anchor="ctr"/>
+          <a:lstStyle/>
+          <a:p>
+            <a:pPr algn="ctr"/>
+            <a:endParaRPr lang="en-US"/>
+          </a:p>
+        </p:txBody>
+      </p:sp>
+      <p:sp>
+        <p:nvSpPr>
+          <p:cNvPr id="43" name="Rectangle 42">
+            <a:extLst>
+              <a:ext uri="{FF2B5EF4-FFF2-40B4-BE49-F238E27FC236}">
+                <a16:creationId xmlns:a16="http://schemas.microsoft.com/office/drawing/2014/main" id="{08B2E1AE-9107-4AB5-B1A3-E2BA2C25DA29}"/>
+              </a:ext>
+            </a:extLst>
+          </p:cNvPr>
+          <p:cNvSpPr/>
+          <p:nvPr/>
+        </p:nvSpPr>
+        <p:spPr>
+          <a:xfrm>
+            <a:off x="4834862" y="4224843"/>
+            <a:ext cx="725914" cy="111016"/>
+          </a:xfrm>
+          <a:prstGeom prst="rect">
+            <a:avLst/>
+          </a:prstGeom>
+        </p:spPr>
+        <p:style>
+          <a:lnRef idx="2">
+            <a:schemeClr val="accent1">
+              <a:shade val="50000"/>
+            </a:schemeClr>
+          </a:lnRef>
+          <a:fillRef idx="1">
+            <a:schemeClr val="accent1"/>
+          </a:fillRef>
+          <a:effectRef idx="0">
+            <a:schemeClr val="accent1"/>
+          </a:effectRef>
+          <a:fontRef idx="minor">
+            <a:schemeClr val="lt1"/>
+          </a:fontRef>
+        </p:style>
+        <p:txBody>
+          <a:bodyPr rtlCol="0" anchor="ctr"/>
+          <a:lstStyle/>
+          <a:p>
+            <a:pPr algn="ctr"/>
+            <a:endParaRPr lang="en-US"/>
+          </a:p>
+        </p:txBody>
+      </p:sp>
+      <p:sp>
+        <p:nvSpPr>
+          <p:cNvPr id="44" name="Rectangle 43">
+            <a:extLst>
+              <a:ext uri="{FF2B5EF4-FFF2-40B4-BE49-F238E27FC236}">
+                <a16:creationId xmlns:a16="http://schemas.microsoft.com/office/drawing/2014/main" id="{586C6922-3755-4859-BD6E-F3D548648C05}"/>
+              </a:ext>
+            </a:extLst>
+          </p:cNvPr>
+          <p:cNvSpPr/>
+          <p:nvPr/>
+        </p:nvSpPr>
+        <p:spPr>
+          <a:xfrm>
+            <a:off x="4834920" y="4531976"/>
+            <a:ext cx="725914" cy="100431"/>
+          </a:xfrm>
+          <a:prstGeom prst="rect">
+            <a:avLst/>
+          </a:prstGeom>
+        </p:spPr>
+        <p:style>
+          <a:lnRef idx="2">
+            <a:schemeClr val="accent1">
+              <a:shade val="50000"/>
+            </a:schemeClr>
+          </a:lnRef>
+          <a:fillRef idx="1">
+            <a:schemeClr val="accent1"/>
+          </a:fillRef>
+          <a:effectRef idx="0">
+            <a:schemeClr val="accent1"/>
+          </a:effectRef>
+          <a:fontRef idx="minor">
+            <a:schemeClr val="lt1"/>
+          </a:fontRef>
+        </p:style>
+        <p:txBody>
+          <a:bodyPr rtlCol="0" anchor="ctr"/>
+          <a:lstStyle/>
+          <a:p>
+            <a:pPr algn="ctr"/>
+            <a:endParaRPr lang="en-US"/>
+          </a:p>
+        </p:txBody>
+      </p:sp>
+      <p:sp>
+        <p:nvSpPr>
+          <p:cNvPr id="45" name="Rectangle 44">
+            <a:extLst>
+              <a:ext uri="{FF2B5EF4-FFF2-40B4-BE49-F238E27FC236}">
+                <a16:creationId xmlns:a16="http://schemas.microsoft.com/office/drawing/2014/main" id="{250C154E-BAF2-4237-B983-54590F560D3C}"/>
+              </a:ext>
+            </a:extLst>
+          </p:cNvPr>
+          <p:cNvSpPr/>
+          <p:nvPr/>
+        </p:nvSpPr>
+        <p:spPr>
+          <a:xfrm>
+            <a:off x="4834978" y="4817945"/>
+            <a:ext cx="1255205" cy="121601"/>
+          </a:xfrm>
+          <a:prstGeom prst="rect">
+            <a:avLst/>
+          </a:prstGeom>
+        </p:spPr>
+        <p:style>
+          <a:lnRef idx="2">
+            <a:schemeClr val="accent1">
+              <a:shade val="50000"/>
+            </a:schemeClr>
+          </a:lnRef>
+          <a:fillRef idx="1">
+            <a:schemeClr val="accent1"/>
+          </a:fillRef>
+          <a:effectRef idx="0">
+            <a:schemeClr val="accent1"/>
+          </a:effectRef>
+          <a:fontRef idx="minor">
+            <a:schemeClr val="lt1"/>
+          </a:fontRef>
+        </p:style>
+        <p:txBody>
+          <a:bodyPr rtlCol="0" anchor="ctr"/>
+          <a:lstStyle/>
+          <a:p>
+            <a:pPr algn="ctr"/>
+            <a:endParaRPr lang="en-US"/>
+          </a:p>
+        </p:txBody>
+      </p:sp>
+      <p:sp>
+        <p:nvSpPr>
+          <p:cNvPr id="18" name="TextBox 17">
+            <a:extLst>
+              <a:ext uri="{FF2B5EF4-FFF2-40B4-BE49-F238E27FC236}">
+                <a16:creationId xmlns:a16="http://schemas.microsoft.com/office/drawing/2014/main" id="{5C8ABB5B-9BA5-4896-821C-FF78E0941BC1}"/>
+              </a:ext>
+            </a:extLst>
+          </p:cNvPr>
+          <p:cNvSpPr txBox="1"/>
+          <p:nvPr/>
+        </p:nvSpPr>
+        <p:spPr>
+          <a:xfrm>
+            <a:off x="2811864" y="947505"/>
+            <a:ext cx="402809" cy="369332"/>
+          </a:xfrm>
+          <a:prstGeom prst="rect">
+            <a:avLst/>
+          </a:prstGeom>
+          <a:noFill/>
+        </p:spPr>
+        <p:txBody>
+          <a:bodyPr rot="0" spcFirstLastPara="0" vertOverflow="overflow" horzOverflow="overflow" vert="horz" wrap="square" lIns="91440" tIns="45720" rIns="91440" bIns="45720" numCol="1" spcCol="0" rtlCol="0" fromWordArt="0" anchor="t" anchorCtr="0" forceAA="0" compatLnSpc="1">
+            <a:prstTxWarp prst="textNoShape">
+              <a:avLst/>
+            </a:prstTxWarp>
+            <a:spAutoFit/>
+          </a:bodyPr>
+          <a:lstStyle/>
+          <a:p>
+            <a:pPr algn="l"/>
+            <a:r>
+              <a:rPr lang="en-US" dirty="0"/>
+              <a:t>x</a:t>
+            </a:r>
+          </a:p>
+        </p:txBody>
+      </p:sp>
+      <p:pic>
+        <p:nvPicPr>
+          <p:cNvPr id="47" name="Picture 47" descr="Icon&#10;&#10;Description automatically generated">
+            <a:extLst>
+              <a:ext uri="{FF2B5EF4-FFF2-40B4-BE49-F238E27FC236}">
+                <a16:creationId xmlns:a16="http://schemas.microsoft.com/office/drawing/2014/main" id="{07C83836-DE07-4A5B-9D0D-A76C008BDFAE}"/>
+              </a:ext>
+            </a:extLst>
+          </p:cNvPr>
+          <p:cNvPicPr>
+            <a:picLocks noChangeAspect="1"/>
+          </p:cNvPicPr>
+          <p:nvPr/>
+        </p:nvPicPr>
+        <p:blipFill>
+          <a:blip r:embed="rId3"/>
+          <a:stretch>
+            <a:fillRect/>
+          </a:stretch>
+        </p:blipFill>
+        <p:spPr>
+          <a:xfrm>
+            <a:off x="4776877" y="5362194"/>
+            <a:ext cx="367236" cy="375771"/>
+          </a:xfrm>
+          <a:prstGeom prst="rect">
+            <a:avLst/>
+          </a:prstGeom>
+        </p:spPr>
+      </p:pic>
+      <p:pic>
+        <p:nvPicPr>
+          <p:cNvPr id="49" name="Imagem 16">
+            <a:extLst>
+              <a:ext uri="{FF2B5EF4-FFF2-40B4-BE49-F238E27FC236}">
+                <a16:creationId xmlns:a16="http://schemas.microsoft.com/office/drawing/2014/main" id="{3CA963F1-1A97-45A7-ACA2-ABE18936B3F5}"/>
+              </a:ext>
+            </a:extLst>
+          </p:cNvPr>
+          <p:cNvPicPr>
+            <a:picLocks noChangeAspect="1"/>
+          </p:cNvPicPr>
+          <p:nvPr/>
+        </p:nvPicPr>
+        <p:blipFill>
+          <a:blip r:embed="rId4"/>
+          <a:stretch>
+            <a:fillRect/>
+          </a:stretch>
+        </p:blipFill>
+        <p:spPr>
+          <a:xfrm>
+            <a:off x="2604873" y="1250810"/>
+            <a:ext cx="1685337" cy="1271433"/>
+          </a:xfrm>
+          <a:prstGeom prst="rect">
+            <a:avLst/>
+          </a:prstGeom>
+        </p:spPr>
+      </p:pic>
+      <p:sp>
+        <p:nvSpPr>
+          <p:cNvPr id="50" name="TextBox 49">
+            <a:extLst>
+              <a:ext uri="{FF2B5EF4-FFF2-40B4-BE49-F238E27FC236}">
+                <a16:creationId xmlns:a16="http://schemas.microsoft.com/office/drawing/2014/main" id="{3CA9AF16-1C7D-4993-A140-24D361FBE76D}"/>
+              </a:ext>
+            </a:extLst>
+          </p:cNvPr>
+          <p:cNvSpPr txBox="1"/>
+          <p:nvPr/>
+        </p:nvSpPr>
+        <p:spPr>
+          <a:xfrm>
+            <a:off x="2631990" y="3330450"/>
+            <a:ext cx="762870" cy="369332"/>
+          </a:xfrm>
+          <a:prstGeom prst="rect">
+            <a:avLst/>
+          </a:prstGeom>
+          <a:noFill/>
+        </p:spPr>
+        <p:txBody>
+          <a:bodyPr rot="0" spcFirstLastPara="0" vertOverflow="overflow" horzOverflow="overflow" vert="horz" wrap="square" lIns="91440" tIns="45720" rIns="91440" bIns="45720" numCol="1" spcCol="0" rtlCol="0" fromWordArt="0" anchor="t" anchorCtr="0" forceAA="0" compatLnSpc="1">
+            <a:prstTxWarp prst="textNoShape">
+              <a:avLst/>
+            </a:prstTxWarp>
+            <a:spAutoFit/>
+          </a:bodyPr>
+          <a:lstStyle/>
+          <a:p>
+            <a:r>
+              <a:rPr lang="pt-BR">
+                <a:latin typeface="Arial"/>
+              </a:rPr>
+              <a:t>Maria</a:t>
+            </a:r>
+            <a:endParaRPr lang="en-US"/>
+          </a:p>
+        </p:txBody>
+      </p:sp>
+      <p:sp>
+        <p:nvSpPr>
+          <p:cNvPr id="51" name="TextBox 50">
+            <a:extLst>
+              <a:ext uri="{FF2B5EF4-FFF2-40B4-BE49-F238E27FC236}">
+                <a16:creationId xmlns:a16="http://schemas.microsoft.com/office/drawing/2014/main" id="{9CCCB8FC-24EF-45EA-8980-D9FAE345768B}"/>
+              </a:ext>
+            </a:extLst>
+          </p:cNvPr>
+          <p:cNvSpPr txBox="1"/>
+          <p:nvPr/>
+        </p:nvSpPr>
+        <p:spPr>
+          <a:xfrm>
+            <a:off x="9524633" y="3192920"/>
+            <a:ext cx="2150160" cy="1569660"/>
+          </a:xfrm>
+          <a:prstGeom prst="rect">
+            <a:avLst/>
+          </a:prstGeom>
+          <a:noFill/>
+        </p:spPr>
+        <p:txBody>
+          <a:bodyPr rot="0" spcFirstLastPara="0" vertOverflow="overflow" horzOverflow="overflow" vert="horz" wrap="square" lIns="91440" tIns="45720" rIns="91440" bIns="45720" numCol="1" spcCol="0" rtlCol="0" fromWordArt="0" anchor="t" anchorCtr="0" forceAA="0" compatLnSpc="1">
+            <a:prstTxWarp prst="textNoShape">
+              <a:avLst/>
+            </a:prstTxWarp>
+            <a:spAutoFit/>
+          </a:bodyPr>
+          <a:lstStyle/>
+          <a:p>
+            <a:pPr>
+              <a:buChar char="•"/>
+            </a:pPr>
+            <a:r>
+              <a:rPr lang="pt-BR" sz="1200" dirty="0">
+                <a:latin typeface="Arial"/>
+                <a:cs typeface="Arial"/>
+              </a:rPr>
+              <a:t>Condições de trabalho adequadas. </a:t>
+            </a:r>
+            <a:r>
+              <a:rPr lang="en-US" sz="1200" dirty="0">
+                <a:latin typeface="Arial"/>
+                <a:cs typeface="Arial"/>
+              </a:rPr>
+              <a:t>​</a:t>
+            </a:r>
+          </a:p>
+          <a:p>
+            <a:pPr>
+              <a:buChar char="•"/>
+            </a:pPr>
+            <a:r>
+              <a:rPr lang="pt-BR" sz="1200" dirty="0">
+                <a:latin typeface="Arial"/>
+                <a:cs typeface="Arial"/>
+              </a:rPr>
+              <a:t>Contratantes não cumprindo combinado</a:t>
+            </a:r>
+            <a:r>
+              <a:rPr lang="en-US" sz="1200" dirty="0">
+                <a:latin typeface="Arial"/>
+                <a:cs typeface="Arial"/>
+              </a:rPr>
+              <a:t>​</a:t>
+            </a:r>
+          </a:p>
+          <a:p>
+            <a:pPr>
+              <a:buChar char="•"/>
+            </a:pPr>
+            <a:r>
+              <a:rPr lang="en-US" sz="1200" dirty="0" err="1">
+                <a:latin typeface="Arial"/>
+                <a:cs typeface="Arial"/>
+              </a:rPr>
+              <a:t>Dificuldade</a:t>
+            </a:r>
+            <a:r>
+              <a:rPr lang="en-US" sz="1200" dirty="0">
+                <a:latin typeface="Arial"/>
+                <a:cs typeface="Arial"/>
+              </a:rPr>
+              <a:t> de </a:t>
+            </a:r>
+            <a:r>
+              <a:rPr lang="en-US" sz="1200" dirty="0" err="1">
+                <a:latin typeface="Arial"/>
+                <a:cs typeface="Arial"/>
+              </a:rPr>
+              <a:t>oferta</a:t>
+            </a:r>
+            <a:r>
+              <a:rPr lang="en-US" sz="1200" dirty="0">
+                <a:latin typeface="Arial"/>
+                <a:cs typeface="Arial"/>
+              </a:rPr>
+              <a:t> de </a:t>
+            </a:r>
+            <a:r>
+              <a:rPr lang="en-US" sz="1200" dirty="0" err="1">
+                <a:latin typeface="Arial"/>
+                <a:cs typeface="Arial"/>
+              </a:rPr>
+              <a:t>emprego</a:t>
+            </a:r>
+            <a:r>
+              <a:rPr lang="en-US" sz="1200" dirty="0">
+                <a:latin typeface="Arial"/>
+                <a:cs typeface="Arial"/>
+              </a:rPr>
+              <a:t>​</a:t>
+            </a:r>
+          </a:p>
+          <a:p>
+            <a:pPr>
+              <a:buChar char="•"/>
+            </a:pPr>
+            <a:r>
+              <a:rPr lang="pt-BR" sz="1200" dirty="0">
+                <a:latin typeface="Arial"/>
+                <a:cs typeface="Arial"/>
+              </a:rPr>
+              <a:t>Segurança na hora do pagamento. </a:t>
+            </a:r>
+            <a:r>
+              <a:rPr lang="en-US" sz="1200" dirty="0">
+                <a:latin typeface="Arial"/>
+                <a:cs typeface="Arial"/>
+              </a:rPr>
+              <a:t>​</a:t>
+            </a:r>
+          </a:p>
+        </p:txBody>
+      </p:sp>
+      <p:sp>
+        <p:nvSpPr>
+          <p:cNvPr id="52" name="TextBox 51">
+            <a:extLst>
+              <a:ext uri="{FF2B5EF4-FFF2-40B4-BE49-F238E27FC236}">
+                <a16:creationId xmlns:a16="http://schemas.microsoft.com/office/drawing/2014/main" id="{BA478C0B-DD21-4A9F-B6D4-A7EE77139F8D}"/>
+              </a:ext>
+            </a:extLst>
+          </p:cNvPr>
+          <p:cNvSpPr txBox="1"/>
+          <p:nvPr/>
+        </p:nvSpPr>
+        <p:spPr>
+          <a:xfrm>
+            <a:off x="7121208" y="5395485"/>
+            <a:ext cx="2139569" cy="369332"/>
+          </a:xfrm>
+          <a:prstGeom prst="rect">
+            <a:avLst/>
+          </a:prstGeom>
+          <a:noFill/>
+        </p:spPr>
+        <p:txBody>
+          <a:bodyPr rot="0" spcFirstLastPara="0" vertOverflow="overflow" horzOverflow="overflow" vert="horz" wrap="square" lIns="91440" tIns="45720" rIns="91440" bIns="45720" numCol="1" spcCol="0" rtlCol="0" fromWordArt="0" anchor="t" anchorCtr="0" forceAA="0" compatLnSpc="1">
+            <a:prstTxWarp prst="textNoShape">
+              <a:avLst/>
+            </a:prstTxWarp>
+            <a:spAutoFit/>
+          </a:bodyPr>
+          <a:lstStyle/>
+          <a:p>
+            <a:r>
+              <a:rPr lang="en-US" dirty="0">
+                <a:cs typeface="Calibri"/>
+              </a:rPr>
+              <a:t>Procura de </a:t>
+            </a:r>
+            <a:r>
+              <a:rPr lang="en-US" dirty="0" err="1">
+                <a:cs typeface="Calibri"/>
+              </a:rPr>
+              <a:t>emprego</a:t>
+            </a:r>
+          </a:p>
+        </p:txBody>
+      </p:sp>
+      <p:sp>
+        <p:nvSpPr>
+          <p:cNvPr id="55" name="TextBox 54">
+            <a:extLst>
+              <a:ext uri="{FF2B5EF4-FFF2-40B4-BE49-F238E27FC236}">
+                <a16:creationId xmlns:a16="http://schemas.microsoft.com/office/drawing/2014/main" id="{07257C5C-3111-42B1-AD12-87A7C61F4C05}"/>
+              </a:ext>
+            </a:extLst>
+          </p:cNvPr>
+          <p:cNvSpPr txBox="1"/>
+          <p:nvPr/>
+        </p:nvSpPr>
+        <p:spPr>
+          <a:xfrm>
+            <a:off x="7122763" y="6295663"/>
+            <a:ext cx="2139569" cy="461665"/>
+          </a:xfrm>
+          <a:prstGeom prst="rect">
+            <a:avLst/>
+          </a:prstGeom>
+          <a:noFill/>
+        </p:spPr>
+        <p:txBody>
+          <a:bodyPr rot="0" spcFirstLastPara="0" vertOverflow="overflow" horzOverflow="overflow" vert="horz" wrap="square" lIns="91440" tIns="45720" rIns="91440" bIns="45720" numCol="1" spcCol="0" rtlCol="0" fromWordArt="0" anchor="t" anchorCtr="0" forceAA="0" compatLnSpc="1">
+            <a:prstTxWarp prst="textNoShape">
+              <a:avLst/>
+            </a:prstTxWarp>
+            <a:spAutoFit/>
+          </a:bodyPr>
+          <a:lstStyle/>
+          <a:p>
+            <a:r>
+              <a:rPr lang="en-US" sz="1200" dirty="0" err="1">
+                <a:cs typeface="Calibri"/>
+              </a:rPr>
+              <a:t>Centralização</a:t>
+            </a:r>
+            <a:r>
+              <a:rPr lang="en-US" sz="1200" dirty="0">
+                <a:cs typeface="Calibri"/>
+              </a:rPr>
+              <a:t> do </a:t>
+            </a:r>
+            <a:r>
+              <a:rPr lang="en-US" sz="1200" dirty="0" err="1">
+                <a:cs typeface="Calibri"/>
+              </a:rPr>
+              <a:t>serviço</a:t>
+            </a:r>
+            <a:r>
+              <a:rPr lang="en-US" sz="1200" dirty="0">
+                <a:cs typeface="Calibri"/>
+              </a:rPr>
+              <a:t> </a:t>
+            </a:r>
+            <a:r>
+              <a:rPr lang="en-US" sz="1200" dirty="0" err="1">
+                <a:cs typeface="Calibri"/>
+              </a:rPr>
+              <a:t>na</a:t>
+            </a:r>
+            <a:r>
+              <a:rPr lang="en-US" sz="1200" dirty="0">
+                <a:cs typeface="Calibri"/>
+              </a:rPr>
+              <a:t> </a:t>
+            </a:r>
+            <a:r>
+              <a:rPr lang="en-US" sz="1200" dirty="0" err="1">
+                <a:cs typeface="Calibri"/>
+              </a:rPr>
+              <a:t>nossa</a:t>
+            </a:r>
+            <a:r>
+              <a:rPr lang="en-US" sz="1200" dirty="0">
+                <a:cs typeface="Calibri"/>
+              </a:rPr>
+              <a:t> </a:t>
+            </a:r>
+            <a:r>
+              <a:rPr lang="en-US" sz="1200" dirty="0" err="1">
+                <a:cs typeface="Calibri"/>
+              </a:rPr>
+              <a:t>plataforma</a:t>
+            </a:r>
+            <a:endParaRPr lang="en-US" sz="1400" dirty="0">
+              <a:cs typeface="Calibri"/>
+            </a:endParaRPr>
+          </a:p>
+        </p:txBody>
+      </p:sp>
+      <p:cxnSp>
+        <p:nvCxnSpPr>
+          <p:cNvPr id="8" name="Straight Arrow Connector 7">
+            <a:extLst>
+              <a:ext uri="{FF2B5EF4-FFF2-40B4-BE49-F238E27FC236}">
+                <a16:creationId xmlns:a16="http://schemas.microsoft.com/office/drawing/2014/main" id="{916FF622-9BDD-4754-941F-BBDF35AF97F6}"/>
+              </a:ext>
+            </a:extLst>
+          </p:cNvPr>
+          <p:cNvCxnSpPr/>
+          <p:nvPr/>
+        </p:nvCxnSpPr>
+        <p:spPr>
+          <a:xfrm flipV="1">
+            <a:off x="9762891" y="5685266"/>
+            <a:ext cx="1528478" cy="674599"/>
+          </a:xfrm>
+          <a:prstGeom prst="straightConnector1">
+            <a:avLst/>
+          </a:prstGeom>
+        </p:spPr>
+        <p:style>
+          <a:lnRef idx="1">
+            <a:schemeClr val="accent1"/>
+          </a:lnRef>
+          <a:fillRef idx="0">
+            <a:schemeClr val="accent1"/>
+          </a:fillRef>
+          <a:effectRef idx="0">
+            <a:schemeClr val="accent1"/>
+          </a:effectRef>
+          <a:fontRef idx="minor">
+            <a:schemeClr val="tx1"/>
+          </a:fontRef>
+        </p:style>
+      </p:cxnSp>
+      <p:pic>
+        <p:nvPicPr>
+          <p:cNvPr id="11" name="Picture 11" descr="Icon&#10;&#10;Description automatically generated">
+            <a:extLst>
+              <a:ext uri="{FF2B5EF4-FFF2-40B4-BE49-F238E27FC236}">
+                <a16:creationId xmlns:a16="http://schemas.microsoft.com/office/drawing/2014/main" id="{EA60C1A1-7E42-47FB-AC58-0E63ED321E73}"/>
+              </a:ext>
+            </a:extLst>
+          </p:cNvPr>
+          <p:cNvPicPr>
+            <a:picLocks noChangeAspect="1"/>
+          </p:cNvPicPr>
+          <p:nvPr/>
+        </p:nvPicPr>
+        <p:blipFill>
+          <a:blip r:embed="rId5"/>
+          <a:stretch>
+            <a:fillRect/>
+          </a:stretch>
+        </p:blipFill>
+        <p:spPr>
+          <a:xfrm>
+            <a:off x="5191817" y="5335555"/>
+            <a:ext cx="469028" cy="439565"/>
+          </a:xfrm>
+          <a:prstGeom prst="rect">
+            <a:avLst/>
+          </a:prstGeom>
+        </p:spPr>
+      </p:pic>
+      <p:sp>
+        <p:nvSpPr>
+          <p:cNvPr id="46" name="TextBox 45">
+            <a:extLst>
+              <a:ext uri="{FF2B5EF4-FFF2-40B4-BE49-F238E27FC236}">
+                <a16:creationId xmlns:a16="http://schemas.microsoft.com/office/drawing/2014/main" id="{F27FE362-DC86-445B-83DF-FFE8075074BB}"/>
+              </a:ext>
+            </a:extLst>
+          </p:cNvPr>
+          <p:cNvSpPr txBox="1"/>
+          <p:nvPr/>
+        </p:nvSpPr>
+        <p:spPr>
+          <a:xfrm>
+            <a:off x="2727891" y="3574048"/>
+            <a:ext cx="847590" cy="307777"/>
+          </a:xfrm>
+          <a:prstGeom prst="rect">
+            <a:avLst/>
+          </a:prstGeom>
+          <a:noFill/>
+        </p:spPr>
+        <p:txBody>
+          <a:bodyPr rot="0" spcFirstLastPara="0" vertOverflow="overflow" horzOverflow="overflow" vert="horz" wrap="square" lIns="91440" tIns="45720" rIns="91440" bIns="45720" numCol="1" spcCol="0" rtlCol="0" fromWordArt="0" anchor="t" anchorCtr="0" forceAA="0" compatLnSpc="1">
+            <a:prstTxWarp prst="textNoShape">
+              <a:avLst/>
+            </a:prstTxWarp>
+            <a:spAutoFit/>
+          </a:bodyPr>
+          <a:lstStyle/>
+          <a:p>
+            <a:r>
+              <a:rPr lang="pt-BR" sz="1400" dirty="0">
+                <a:latin typeface="Arial"/>
+              </a:rPr>
+              <a:t>35 anos</a:t>
+            </a:r>
+            <a:endParaRPr lang="en-US" dirty="0">
+              <a:cs typeface="Calibri"/>
+            </a:endParaRPr>
+          </a:p>
+        </p:txBody>
+      </p:sp>
+      <p:sp>
+        <p:nvSpPr>
+          <p:cNvPr id="48" name="TextBox 47">
+            <a:extLst>
+              <a:ext uri="{FF2B5EF4-FFF2-40B4-BE49-F238E27FC236}">
+                <a16:creationId xmlns:a16="http://schemas.microsoft.com/office/drawing/2014/main" id="{5F9D539C-AF5C-4D0E-8D34-DF744B5F2E5C}"/>
+              </a:ext>
+            </a:extLst>
+          </p:cNvPr>
+          <p:cNvSpPr txBox="1"/>
+          <p:nvPr/>
+        </p:nvSpPr>
+        <p:spPr>
+          <a:xfrm>
+            <a:off x="2813224" y="3785881"/>
+            <a:ext cx="1027620" cy="307777"/>
+          </a:xfrm>
+          <a:prstGeom prst="rect">
+            <a:avLst/>
+          </a:prstGeom>
+          <a:noFill/>
+        </p:spPr>
+        <p:txBody>
+          <a:bodyPr rot="0" spcFirstLastPara="0" vertOverflow="overflow" horzOverflow="overflow" vert="horz" wrap="square" lIns="91440" tIns="45720" rIns="91440" bIns="45720" numCol="1" spcCol="0" rtlCol="0" fromWordArt="0" anchor="t" anchorCtr="0" forceAA="0" compatLnSpc="1">
+            <a:prstTxWarp prst="textNoShape">
+              <a:avLst/>
+            </a:prstTxWarp>
+            <a:spAutoFit/>
+          </a:bodyPr>
+          <a:lstStyle/>
+          <a:p>
+            <a:r>
+              <a:rPr lang="pt-BR" sz="1400" dirty="0">
+                <a:latin typeface="Arial"/>
+                <a:cs typeface="Arial"/>
+              </a:rPr>
+              <a:t>Doméstica</a:t>
+            </a:r>
+          </a:p>
+        </p:txBody>
+      </p:sp>
+      <p:sp>
+        <p:nvSpPr>
+          <p:cNvPr id="53" name="TextBox 52">
+            <a:extLst>
+              <a:ext uri="{FF2B5EF4-FFF2-40B4-BE49-F238E27FC236}">
+                <a16:creationId xmlns:a16="http://schemas.microsoft.com/office/drawing/2014/main" id="{78B01A57-C0DE-4CF7-B19B-3EB41C2BD2A5}"/>
+              </a:ext>
+            </a:extLst>
+          </p:cNvPr>
+          <p:cNvSpPr txBox="1"/>
+          <p:nvPr/>
+        </p:nvSpPr>
+        <p:spPr>
+          <a:xfrm>
+            <a:off x="2633881" y="3965939"/>
+            <a:ext cx="1027620" cy="307777"/>
+          </a:xfrm>
+          <a:prstGeom prst="rect">
+            <a:avLst/>
+          </a:prstGeom>
+          <a:noFill/>
+        </p:spPr>
+        <p:txBody>
+          <a:bodyPr rot="0" spcFirstLastPara="0" vertOverflow="overflow" horzOverflow="overflow" vert="horz" wrap="square" lIns="91440" tIns="45720" rIns="91440" bIns="45720" numCol="1" spcCol="0" rtlCol="0" fromWordArt="0" anchor="t" anchorCtr="0" forceAA="0" compatLnSpc="1">
+            <a:prstTxWarp prst="textNoShape">
+              <a:avLst/>
+            </a:prstTxWarp>
+            <a:spAutoFit/>
+          </a:bodyPr>
+          <a:lstStyle/>
+          <a:p>
+            <a:r>
+              <a:rPr lang="pt-BR" sz="1400" dirty="0">
+                <a:latin typeface="Arial"/>
+                <a:cs typeface="Arial"/>
+              </a:rPr>
+              <a:t>São Paulo</a:t>
+            </a:r>
+          </a:p>
+        </p:txBody>
+      </p:sp>
+      <p:sp>
+        <p:nvSpPr>
+          <p:cNvPr id="54" name="TextBox 53">
+            <a:extLst>
+              <a:ext uri="{FF2B5EF4-FFF2-40B4-BE49-F238E27FC236}">
+                <a16:creationId xmlns:a16="http://schemas.microsoft.com/office/drawing/2014/main" id="{5428AED6-9D1C-4BDE-B0CE-57D5A5CFF399}"/>
+              </a:ext>
+            </a:extLst>
+          </p:cNvPr>
+          <p:cNvSpPr txBox="1"/>
+          <p:nvPr/>
+        </p:nvSpPr>
+        <p:spPr>
+          <a:xfrm>
+            <a:off x="7155032" y="3192948"/>
+            <a:ext cx="2150160" cy="1200329"/>
+          </a:xfrm>
+          <a:prstGeom prst="rect">
+            <a:avLst/>
+          </a:prstGeom>
+          <a:noFill/>
+        </p:spPr>
+        <p:txBody>
+          <a:bodyPr rot="0" spcFirstLastPara="0" vertOverflow="overflow" horzOverflow="overflow" vert="horz" wrap="square" lIns="91440" tIns="45720" rIns="91440" bIns="45720" numCol="1" spcCol="0" rtlCol="0" fromWordArt="0" anchor="t" anchorCtr="0" forceAA="0" compatLnSpc="1">
+            <a:prstTxWarp prst="textNoShape">
+              <a:avLst/>
+            </a:prstTxWarp>
+            <a:spAutoFit/>
+          </a:bodyPr>
+          <a:lstStyle/>
+          <a:p>
+            <a:pPr>
+              <a:buFont typeface="Arial"/>
+              <a:buChar char="•"/>
+            </a:pPr>
+            <a:r>
+              <a:rPr lang="pt-BR" sz="1200" dirty="0">
+                <a:latin typeface="Arial"/>
+                <a:cs typeface="Arial"/>
+              </a:rPr>
+              <a:t>Busca por uma forma de pagar as contas</a:t>
+            </a:r>
+          </a:p>
+          <a:p>
+            <a:pPr>
+              <a:buFont typeface="Arial"/>
+              <a:buChar char="•"/>
+            </a:pPr>
+            <a:r>
+              <a:rPr lang="pt-BR" sz="1200" dirty="0">
+                <a:latin typeface="Arial"/>
+                <a:cs typeface="Arial"/>
+              </a:rPr>
+              <a:t>Busca estabilidade</a:t>
+            </a:r>
+          </a:p>
+          <a:p>
+            <a:pPr>
+              <a:buFont typeface="Arial"/>
+              <a:buChar char="•"/>
+            </a:pPr>
+            <a:r>
+              <a:rPr lang="pt-BR" sz="1200" dirty="0">
+                <a:latin typeface="Arial"/>
+                <a:cs typeface="Arial"/>
+              </a:rPr>
+              <a:t>Busca confiança </a:t>
+            </a:r>
+          </a:p>
+          <a:p>
+            <a:pPr>
+              <a:buFont typeface="Arial"/>
+              <a:buChar char="•"/>
+            </a:pPr>
+            <a:r>
+              <a:rPr lang="pt-BR" sz="1200" dirty="0">
+                <a:latin typeface="Arial"/>
+                <a:cs typeface="Arial"/>
+              </a:rPr>
+              <a:t>Busca facilidade de </a:t>
+            </a:r>
+            <a:r>
+              <a:rPr lang="pt-BR" sz="1200">
+                <a:latin typeface="Arial"/>
+                <a:cs typeface="Arial"/>
+              </a:rPr>
+              <a:t>usabilidade</a:t>
+            </a:r>
+            <a:endParaRPr lang="pt-BR" sz="1200" dirty="0">
+              <a:latin typeface="Arial"/>
+              <a:cs typeface="Arial"/>
+            </a:endParaRPr>
+          </a:p>
+        </p:txBody>
+      </p:sp>
+      <p:sp>
+        <p:nvSpPr>
+          <p:cNvPr id="57" name="TextBox 56">
+            <a:extLst>
+              <a:ext uri="{FF2B5EF4-FFF2-40B4-BE49-F238E27FC236}">
+                <a16:creationId xmlns:a16="http://schemas.microsoft.com/office/drawing/2014/main" id="{5B313BE6-D975-49A0-8808-9248C5E30C28}"/>
+              </a:ext>
+            </a:extLst>
+          </p:cNvPr>
+          <p:cNvSpPr txBox="1"/>
+          <p:nvPr/>
+        </p:nvSpPr>
+        <p:spPr>
+          <a:xfrm>
+            <a:off x="4678600" y="6295720"/>
+            <a:ext cx="2139569" cy="461665"/>
+          </a:xfrm>
+          <a:prstGeom prst="rect">
+            <a:avLst/>
+          </a:prstGeom>
+          <a:noFill/>
+        </p:spPr>
+        <p:txBody>
+          <a:bodyPr rot="0" spcFirstLastPara="0" vertOverflow="overflow" horzOverflow="overflow" vert="horz" wrap="square" lIns="91440" tIns="45720" rIns="91440" bIns="45720" numCol="1" spcCol="0" rtlCol="0" fromWordArt="0" anchor="t" anchorCtr="0" forceAA="0" compatLnSpc="1">
+            <a:prstTxWarp prst="textNoShape">
+              <a:avLst/>
+            </a:prstTxWarp>
+            <a:spAutoFit/>
+          </a:bodyPr>
+          <a:lstStyle/>
+          <a:p>
+            <a:r>
+              <a:rPr lang="en-US" sz="1200" dirty="0">
+                <a:cs typeface="Calibri"/>
+              </a:rPr>
+              <a:t>Smartphones, redes </a:t>
+            </a:r>
+            <a:r>
+              <a:rPr lang="en-US" sz="1200" dirty="0" err="1">
+                <a:cs typeface="Calibri"/>
+              </a:rPr>
+              <a:t>sociais</a:t>
+            </a:r>
+            <a:r>
+              <a:rPr lang="en-US" sz="1200" dirty="0">
+                <a:cs typeface="Calibri"/>
+              </a:rPr>
+              <a:t>, </a:t>
+            </a:r>
+            <a:r>
+              <a:rPr lang="en-US" sz="1200" dirty="0" err="1">
+                <a:cs typeface="Calibri"/>
+              </a:rPr>
+              <a:t>canais</a:t>
+            </a:r>
+            <a:r>
+              <a:rPr lang="en-US" sz="1200" dirty="0">
+                <a:cs typeface="Calibri"/>
+              </a:rPr>
+              <a:t> de </a:t>
+            </a:r>
+            <a:r>
+              <a:rPr lang="en-US" sz="1200" dirty="0" err="1">
+                <a:cs typeface="Calibri"/>
+              </a:rPr>
+              <a:t>entreterimento</a:t>
+            </a:r>
+            <a:r>
+              <a:rPr lang="en-US" sz="1200" dirty="0">
+                <a:cs typeface="Calibri"/>
+              </a:rPr>
+              <a:t>.</a:t>
+            </a:r>
+          </a:p>
+        </p:txBody>
+      </p:sp>
+      <p:pic>
+        <p:nvPicPr>
+          <p:cNvPr id="2" name="Picture 2" descr="Logo&#10;&#10;Description automatically generated">
+            <a:extLst>
+              <a:ext uri="{FF2B5EF4-FFF2-40B4-BE49-F238E27FC236}">
+                <a16:creationId xmlns:a16="http://schemas.microsoft.com/office/drawing/2014/main" id="{CD199EDF-CAE1-4D62-A21A-D93CED52C0A9}"/>
+              </a:ext>
+            </a:extLst>
+          </p:cNvPr>
+          <p:cNvPicPr>
+            <a:picLocks noChangeAspect="1"/>
+          </p:cNvPicPr>
+          <p:nvPr/>
+        </p:nvPicPr>
+        <p:blipFill>
+          <a:blip r:embed="rId6"/>
+          <a:stretch>
+            <a:fillRect/>
+          </a:stretch>
+        </p:blipFill>
+        <p:spPr>
+          <a:xfrm>
+            <a:off x="5791451" y="5325984"/>
+            <a:ext cx="665427" cy="328240"/>
+          </a:xfrm>
+          <a:prstGeom prst="rect">
+            <a:avLst/>
+          </a:prstGeom>
+        </p:spPr>
+      </p:pic>
+      <p:pic>
+        <p:nvPicPr>
+          <p:cNvPr id="3" name="Picture 3" descr="A picture containing text, first-aid kit, clipart&#10;&#10;Description automatically generated">
+            <a:extLst>
+              <a:ext uri="{FF2B5EF4-FFF2-40B4-BE49-F238E27FC236}">
+                <a16:creationId xmlns:a16="http://schemas.microsoft.com/office/drawing/2014/main" id="{06276BFA-1A0F-40FA-9D34-05294D0FEBEB}"/>
+              </a:ext>
+            </a:extLst>
+          </p:cNvPr>
+          <p:cNvPicPr>
+            <a:picLocks noChangeAspect="1"/>
+          </p:cNvPicPr>
+          <p:nvPr/>
+        </p:nvPicPr>
+        <p:blipFill>
+          <a:blip r:embed="rId7"/>
+          <a:stretch>
+            <a:fillRect/>
+          </a:stretch>
+        </p:blipFill>
+        <p:spPr>
+          <a:xfrm>
+            <a:off x="6554762" y="5211153"/>
+            <a:ext cx="333222" cy="363735"/>
+          </a:xfrm>
+          <a:prstGeom prst="rect">
+            <a:avLst/>
+          </a:prstGeom>
+        </p:spPr>
+      </p:pic>
+      <p:pic>
+        <p:nvPicPr>
+          <p:cNvPr id="4" name="Picture 4" descr="Icon&#10;&#10;Description automatically generated">
+            <a:extLst>
+              <a:ext uri="{FF2B5EF4-FFF2-40B4-BE49-F238E27FC236}">
+                <a16:creationId xmlns:a16="http://schemas.microsoft.com/office/drawing/2014/main" id="{B23347FA-933E-4142-ADD2-CF5CC0A6D86D}"/>
+              </a:ext>
+            </a:extLst>
+          </p:cNvPr>
+          <p:cNvPicPr>
+            <a:picLocks noChangeAspect="1"/>
+          </p:cNvPicPr>
+          <p:nvPr/>
+        </p:nvPicPr>
+        <p:blipFill>
+          <a:blip r:embed="rId8"/>
+          <a:stretch>
+            <a:fillRect/>
+          </a:stretch>
+        </p:blipFill>
+        <p:spPr>
+          <a:xfrm>
+            <a:off x="6034053" y="5647674"/>
+            <a:ext cx="267620" cy="286782"/>
+          </a:xfrm>
+          <a:prstGeom prst="rect">
+            <a:avLst/>
+          </a:prstGeom>
+        </p:spPr>
+      </p:pic>
+      <p:sp>
+        <p:nvSpPr>
+          <p:cNvPr id="5" name="TextBox 4">
+            <a:extLst>
+              <a:ext uri="{FF2B5EF4-FFF2-40B4-BE49-F238E27FC236}">
+                <a16:creationId xmlns:a16="http://schemas.microsoft.com/office/drawing/2014/main" id="{32377700-6759-4207-B581-86BF1B5A9C9C}"/>
+              </a:ext>
+            </a:extLst>
+          </p:cNvPr>
+          <p:cNvSpPr txBox="1"/>
+          <p:nvPr/>
+        </p:nvSpPr>
+        <p:spPr>
+          <a:xfrm>
+            <a:off x="2488398" y="2669360"/>
+            <a:ext cx="1995478" cy="738664"/>
+          </a:xfrm>
+          <a:prstGeom prst="rect">
+            <a:avLst/>
+          </a:prstGeom>
+          <a:noFill/>
+        </p:spPr>
+        <p:txBody>
+          <a:bodyPr rot="0" spcFirstLastPara="0" vertOverflow="overflow" horzOverflow="overflow" vert="horz" wrap="square" lIns="91440" tIns="45720" rIns="91440" bIns="45720" numCol="1" spcCol="0" rtlCol="0" fromWordArt="0" anchor="t" anchorCtr="0" forceAA="0" compatLnSpc="1">
+            <a:prstTxWarp prst="textNoShape">
+              <a:avLst/>
+            </a:prstTxWarp>
+            <a:spAutoFit/>
+          </a:bodyPr>
+          <a:lstStyle/>
+          <a:p>
+            <a:r>
+              <a:rPr lang="pt-BR" sz="1400" dirty="0">
+                <a:latin typeface="Arial"/>
+                <a:cs typeface="Segoe UI"/>
+              </a:rPr>
+              <a:t>​Ultimamente anda muito </a:t>
+            </a:r>
+            <a:r>
+              <a:rPr lang="pt-BR" sz="1400" dirty="0">
+                <a:cs typeface="Segoe UI"/>
+              </a:rPr>
+              <a:t>difícil </a:t>
+            </a:r>
+            <a:r>
+              <a:rPr lang="pt-BR" sz="1400" dirty="0">
+                <a:latin typeface="Arial"/>
+                <a:cs typeface="Segoe UI"/>
+              </a:rPr>
+              <a:t>achar novos clientes</a:t>
+            </a:r>
+            <a:endParaRPr lang="en-US" dirty="0"/>
+          </a:p>
+        </p:txBody>
+      </p:sp>
+    </p:spTree>
+    <p:extLst>
+      <p:ext uri="{BB962C8B-B14F-4D97-AF65-F5344CB8AC3E}">
+        <p14:creationId xmlns:p14="http://schemas.microsoft.com/office/powerpoint/2010/main" val="1857759487"/>
+      </p:ext>
+    </p:extLst>
+  </p:cSld>
+  <p:clrMapOvr>
+    <a:masterClrMapping/>
+  </p:clrMapOvr>
+</p:sld>
+</file>
+
+<file path=ppt/slides/slide4.xml><?xml version="1.0" encoding="utf-8"?>
+<p:sld xmlns:a="http://schemas.openxmlformats.org/drawingml/2006/main" xmlns:r="http://schemas.openxmlformats.org/officeDocument/2006/relationships" xmlns:p="http://schemas.openxmlformats.org/presentationml/2006/main">
+  <p:cSld>
+    <p:spTree>
+      <p:nvGrpSpPr>
+        <p:cNvPr id="1" name=""/>
+        <p:cNvGrpSpPr/>
+        <p:nvPr/>
+      </p:nvGrpSpPr>
+      <p:grpSpPr>
+        <a:xfrm>
+          <a:off x="0" y="0"/>
+          <a:ext cx="0" cy="0"/>
+          <a:chOff x="0" y="0"/>
+          <a:chExt cx="0" cy="0"/>
+        </a:xfrm>
+      </p:grpSpPr>
+      <p:sp>
+        <p:nvSpPr>
+          <p:cNvPr id="14" name="object 14"/>
+          <p:cNvSpPr txBox="1"/>
+          <p:nvPr/>
+        </p:nvSpPr>
+        <p:spPr>
+          <a:xfrm>
+            <a:off x="13135564" y="7238187"/>
+            <a:ext cx="114935" cy="217804"/>
+          </a:xfrm>
+          <a:prstGeom prst="rect">
+            <a:avLst/>
+          </a:prstGeom>
+        </p:spPr>
+        <p:txBody>
+          <a:bodyPr vert="horz" wrap="square" lIns="0" tIns="13970" rIns="0" bIns="0" rtlCol="0">
+            <a:spAutoFit/>
+          </a:bodyPr>
+          <a:lstStyle/>
+          <a:p>
+            <a:pPr marL="12700">
+              <a:lnSpc>
+                <a:spcPct val="100000"/>
+              </a:lnSpc>
+              <a:spcBef>
+                <a:spcPts val="110"/>
+              </a:spcBef>
+            </a:pPr>
+            <a:r>
+              <a:rPr sz="1250" b="1" spc="5" dirty="0">
+                <a:solidFill>
+                  <a:srgbClr val="FFFFFF"/>
+                </a:solidFill>
+                <a:latin typeface="Arial"/>
+                <a:cs typeface="Arial"/>
+              </a:rPr>
+              <a:t>1</a:t>
+            </a:r>
+            <a:endParaRPr sz="1250">
+              <a:latin typeface="Arial"/>
+              <a:cs typeface="Arial"/>
+            </a:endParaRPr>
+          </a:p>
+        </p:txBody>
+      </p:sp>
+      <p:pic>
+        <p:nvPicPr>
+          <p:cNvPr id="9" name="Picture 14" descr="Graphical user interface&#10;&#10;Description automatically generated">
+            <a:extLst>
+              <a:ext uri="{FF2B5EF4-FFF2-40B4-BE49-F238E27FC236}">
+                <a16:creationId xmlns:a16="http://schemas.microsoft.com/office/drawing/2014/main" id="{43000AB7-D0B1-449C-B984-B865582F0F1D}"/>
+              </a:ext>
+            </a:extLst>
+          </p:cNvPr>
+          <p:cNvPicPr>
+            <a:picLocks noChangeAspect="1"/>
+          </p:cNvPicPr>
+          <p:nvPr/>
+        </p:nvPicPr>
+        <p:blipFill>
+          <a:blip r:embed="rId2"/>
+          <a:stretch>
+            <a:fillRect/>
+          </a:stretch>
+        </p:blipFill>
+        <p:spPr>
+          <a:xfrm>
+            <a:off x="1895694" y="342542"/>
+            <a:ext cx="10229994" cy="7014140"/>
+          </a:xfrm>
+          <a:prstGeom prst="rect">
+            <a:avLst/>
+          </a:prstGeom>
+        </p:spPr>
+      </p:pic>
+      <p:sp>
+        <p:nvSpPr>
+          <p:cNvPr id="15" name="TextBox 14">
+            <a:extLst>
+              <a:ext uri="{FF2B5EF4-FFF2-40B4-BE49-F238E27FC236}">
+                <a16:creationId xmlns:a16="http://schemas.microsoft.com/office/drawing/2014/main" id="{4882BFE2-01EF-42AF-8F22-A62DB3ECDDF3}"/>
+              </a:ext>
+            </a:extLst>
+          </p:cNvPr>
+          <p:cNvSpPr txBox="1"/>
+          <p:nvPr/>
+        </p:nvSpPr>
+        <p:spPr>
+          <a:xfrm>
+            <a:off x="5448340" y="460545"/>
+            <a:ext cx="2033669" cy="369332"/>
+          </a:xfrm>
+          <a:prstGeom prst="rect">
+            <a:avLst/>
+          </a:prstGeom>
+          <a:noFill/>
+        </p:spPr>
+        <p:txBody>
+          <a:bodyPr rot="0" spcFirstLastPara="0" vertOverflow="overflow" horzOverflow="overflow" vert="horz" wrap="square" lIns="91440" tIns="45720" rIns="91440" bIns="45720" numCol="1" spcCol="0" rtlCol="0" fromWordArt="0" anchor="t" anchorCtr="0" forceAA="0" compatLnSpc="1">
+            <a:prstTxWarp prst="textNoShape">
+              <a:avLst/>
+            </a:prstTxWarp>
+            <a:spAutoFit/>
+          </a:bodyPr>
+          <a:lstStyle/>
+          <a:p>
+            <a:pPr algn="l"/>
+            <a:r>
+              <a:rPr lang="en-US" dirty="0" err="1">
+                <a:cs typeface="Calibri"/>
+              </a:rPr>
+              <a:t>Contratante</a:t>
+            </a:r>
+          </a:p>
+        </p:txBody>
+      </p:sp>
+      <p:sp>
+        <p:nvSpPr>
+          <p:cNvPr id="20" name="TextBox 19">
+            <a:extLst>
+              <a:ext uri="{FF2B5EF4-FFF2-40B4-BE49-F238E27FC236}">
+                <a16:creationId xmlns:a16="http://schemas.microsoft.com/office/drawing/2014/main" id="{D1640712-C913-488A-948B-33D11C937B8E}"/>
+              </a:ext>
+            </a:extLst>
+          </p:cNvPr>
+          <p:cNvSpPr txBox="1"/>
+          <p:nvPr/>
+        </p:nvSpPr>
+        <p:spPr>
+          <a:xfrm>
+            <a:off x="8160013" y="460573"/>
+            <a:ext cx="1250009" cy="369332"/>
+          </a:xfrm>
+          <a:prstGeom prst="rect">
+            <a:avLst/>
+          </a:prstGeom>
+          <a:noFill/>
+        </p:spPr>
+        <p:txBody>
+          <a:bodyPr rot="0" spcFirstLastPara="0" vertOverflow="overflow" horzOverflow="overflow" vert="horz" wrap="square" lIns="91440" tIns="45720" rIns="91440" bIns="45720" numCol="1" spcCol="0" rtlCol="0" fromWordArt="0" anchor="t" anchorCtr="0" forceAA="0" compatLnSpc="1">
+            <a:prstTxWarp prst="textNoShape">
+              <a:avLst/>
+            </a:prstTxWarp>
+            <a:spAutoFit/>
+          </a:bodyPr>
+          <a:lstStyle/>
+          <a:p>
+            <a:pPr algn="l"/>
+            <a:r>
+              <a:rPr lang="en-US" dirty="0" err="1"/>
+              <a:t>IClean</a:t>
+            </a:r>
+            <a:endParaRPr lang="en-US" dirty="0" err="1">
+              <a:cs typeface="Calibri"/>
+            </a:endParaRPr>
+          </a:p>
+        </p:txBody>
+      </p:sp>
+      <p:sp>
+        <p:nvSpPr>
+          <p:cNvPr id="22" name="TextBox 21">
+            <a:extLst>
+              <a:ext uri="{FF2B5EF4-FFF2-40B4-BE49-F238E27FC236}">
+                <a16:creationId xmlns:a16="http://schemas.microsoft.com/office/drawing/2014/main" id="{8A025771-623D-42B3-A34D-1CD54EE136B5}"/>
+              </a:ext>
+            </a:extLst>
+          </p:cNvPr>
+          <p:cNvSpPr txBox="1"/>
+          <p:nvPr/>
+        </p:nvSpPr>
+        <p:spPr>
+          <a:xfrm>
+            <a:off x="10067585" y="460601"/>
+            <a:ext cx="1387679" cy="369332"/>
+          </a:xfrm>
+          <a:prstGeom prst="rect">
+            <a:avLst/>
+          </a:prstGeom>
+          <a:noFill/>
+        </p:spPr>
+        <p:txBody>
+          <a:bodyPr rot="0" spcFirstLastPara="0" vertOverflow="overflow" horzOverflow="overflow" vert="horz" wrap="square" lIns="91440" tIns="45720" rIns="91440" bIns="45720" numCol="1" spcCol="0" rtlCol="0" fromWordArt="0" anchor="t" anchorCtr="0" forceAA="0" compatLnSpc="1">
+            <a:prstTxWarp prst="textNoShape">
+              <a:avLst/>
+            </a:prstTxWarp>
+            <a:spAutoFit/>
+          </a:bodyPr>
+          <a:lstStyle/>
+          <a:p>
+            <a:pPr algn="l"/>
+            <a:r>
+              <a:rPr lang="en-US" dirty="0"/>
+              <a:t>09/02/2022</a:t>
+            </a:r>
+            <a:endParaRPr lang="en-US" dirty="0" err="1">
+              <a:cs typeface="Calibri"/>
+            </a:endParaRPr>
+          </a:p>
+        </p:txBody>
+      </p:sp>
+      <p:sp>
+        <p:nvSpPr>
+          <p:cNvPr id="17" name="Rectangle 16">
+            <a:extLst>
+              <a:ext uri="{FF2B5EF4-FFF2-40B4-BE49-F238E27FC236}">
+                <a16:creationId xmlns:a16="http://schemas.microsoft.com/office/drawing/2014/main" id="{15EA9719-DFC9-4048-B12D-210E7B5BBDA5}"/>
+              </a:ext>
+            </a:extLst>
+          </p:cNvPr>
+          <p:cNvSpPr/>
+          <p:nvPr/>
+        </p:nvSpPr>
+        <p:spPr>
+          <a:xfrm>
+            <a:off x="4832746" y="1419706"/>
+            <a:ext cx="487732" cy="111016"/>
+          </a:xfrm>
+          <a:prstGeom prst="rect">
+            <a:avLst/>
+          </a:prstGeom>
+        </p:spPr>
+        <p:style>
+          <a:lnRef idx="2">
+            <a:schemeClr val="accent1">
+              <a:shade val="50000"/>
+            </a:schemeClr>
+          </a:lnRef>
+          <a:fillRef idx="1">
+            <a:schemeClr val="accent1"/>
+          </a:fillRef>
+          <a:effectRef idx="0">
+            <a:schemeClr val="accent1"/>
+          </a:effectRef>
+          <a:fontRef idx="minor">
+            <a:schemeClr val="lt1"/>
+          </a:fontRef>
+        </p:style>
+        <p:txBody>
+          <a:bodyPr rtlCol="0" anchor="ctr"/>
+          <a:lstStyle/>
+          <a:p>
+            <a:pPr algn="ctr"/>
+            <a:endParaRPr lang="en-US"/>
+          </a:p>
+        </p:txBody>
+      </p:sp>
+      <p:sp>
+        <p:nvSpPr>
+          <p:cNvPr id="25" name="Rectangle 24">
+            <a:extLst>
+              <a:ext uri="{FF2B5EF4-FFF2-40B4-BE49-F238E27FC236}">
+                <a16:creationId xmlns:a16="http://schemas.microsoft.com/office/drawing/2014/main" id="{C9743AC3-DF3C-4F0D-9FB8-8E10F2BB3A91}"/>
+              </a:ext>
+            </a:extLst>
+          </p:cNvPr>
+          <p:cNvSpPr/>
+          <p:nvPr/>
+        </p:nvSpPr>
+        <p:spPr>
+          <a:xfrm>
+            <a:off x="4833820" y="1740958"/>
+            <a:ext cx="1975042" cy="95139"/>
+          </a:xfrm>
+          <a:prstGeom prst="rect">
+            <a:avLst/>
+          </a:prstGeom>
+        </p:spPr>
+        <p:style>
+          <a:lnRef idx="2">
+            <a:schemeClr val="accent1">
+              <a:shade val="50000"/>
+            </a:schemeClr>
+          </a:lnRef>
+          <a:fillRef idx="1">
+            <a:schemeClr val="accent1"/>
+          </a:fillRef>
+          <a:effectRef idx="0">
+            <a:schemeClr val="accent1"/>
+          </a:effectRef>
+          <a:fontRef idx="minor">
+            <a:schemeClr val="lt1"/>
+          </a:fontRef>
+        </p:style>
+        <p:txBody>
+          <a:bodyPr rtlCol="0" anchor="ctr"/>
+          <a:lstStyle/>
+          <a:p>
+            <a:pPr algn="ctr"/>
+            <a:endParaRPr lang="en-US"/>
+          </a:p>
+        </p:txBody>
+      </p:sp>
+      <p:sp>
+        <p:nvSpPr>
+          <p:cNvPr id="27" name="Rectangle 26">
+            <a:extLst>
+              <a:ext uri="{FF2B5EF4-FFF2-40B4-BE49-F238E27FC236}">
+                <a16:creationId xmlns:a16="http://schemas.microsoft.com/office/drawing/2014/main" id="{621ED101-E396-4816-B107-1EC8D95B34EF}"/>
+              </a:ext>
+            </a:extLst>
+          </p:cNvPr>
+          <p:cNvSpPr/>
+          <p:nvPr/>
+        </p:nvSpPr>
+        <p:spPr>
+          <a:xfrm>
+            <a:off x="4833936" y="2035783"/>
+            <a:ext cx="634968" cy="96892"/>
+          </a:xfrm>
+          <a:prstGeom prst="rect">
+            <a:avLst/>
+          </a:prstGeom>
+        </p:spPr>
+        <p:style>
+          <a:lnRef idx="2">
+            <a:schemeClr val="accent1">
+              <a:shade val="50000"/>
+            </a:schemeClr>
+          </a:lnRef>
+          <a:fillRef idx="1">
+            <a:schemeClr val="accent1"/>
+          </a:fillRef>
+          <a:effectRef idx="0">
+            <a:schemeClr val="accent1"/>
+          </a:effectRef>
+          <a:fontRef idx="minor">
+            <a:schemeClr val="lt1"/>
+          </a:fontRef>
+        </p:style>
+        <p:txBody>
+          <a:bodyPr rtlCol="0" anchor="ctr"/>
+          <a:lstStyle/>
+          <a:p>
+            <a:pPr algn="ctr"/>
+            <a:endParaRPr lang="en-US"/>
+          </a:p>
+        </p:txBody>
+      </p:sp>
+      <p:sp>
+        <p:nvSpPr>
+          <p:cNvPr id="28" name="Rectangle 27">
+            <a:extLst>
+              <a:ext uri="{FF2B5EF4-FFF2-40B4-BE49-F238E27FC236}">
+                <a16:creationId xmlns:a16="http://schemas.microsoft.com/office/drawing/2014/main" id="{65D824F8-B09C-4048-867B-8043165B19DD}"/>
+              </a:ext>
+            </a:extLst>
+          </p:cNvPr>
+          <p:cNvSpPr/>
+          <p:nvPr/>
+        </p:nvSpPr>
+        <p:spPr>
+          <a:xfrm>
+            <a:off x="4833994" y="2323506"/>
+            <a:ext cx="634968" cy="116308"/>
+          </a:xfrm>
+          <a:prstGeom prst="rect">
+            <a:avLst/>
+          </a:prstGeom>
+        </p:spPr>
+        <p:style>
+          <a:lnRef idx="2">
+            <a:schemeClr val="accent1">
+              <a:shade val="50000"/>
+            </a:schemeClr>
+          </a:lnRef>
+          <a:fillRef idx="1">
+            <a:schemeClr val="accent1"/>
+          </a:fillRef>
+          <a:effectRef idx="0">
+            <a:schemeClr val="accent1"/>
+          </a:effectRef>
+          <a:fontRef idx="minor">
+            <a:schemeClr val="lt1"/>
+          </a:fontRef>
+        </p:style>
+        <p:txBody>
+          <a:bodyPr rtlCol="0" anchor="ctr"/>
+          <a:lstStyle/>
+          <a:p>
+            <a:pPr algn="ctr"/>
+            <a:endParaRPr lang="en-US"/>
+          </a:p>
+        </p:txBody>
+      </p:sp>
+      <p:sp>
+        <p:nvSpPr>
+          <p:cNvPr id="29" name="Rectangle 28">
+            <a:extLst>
+              <a:ext uri="{FF2B5EF4-FFF2-40B4-BE49-F238E27FC236}">
+                <a16:creationId xmlns:a16="http://schemas.microsoft.com/office/drawing/2014/main" id="{5AD71F0F-BD60-49CC-A96E-FB6D86C45117}"/>
+              </a:ext>
+            </a:extLst>
+          </p:cNvPr>
+          <p:cNvSpPr/>
+          <p:nvPr/>
+        </p:nvSpPr>
+        <p:spPr>
+          <a:xfrm>
+            <a:off x="4834051" y="2620055"/>
+            <a:ext cx="1896572" cy="116308"/>
+          </a:xfrm>
+          <a:prstGeom prst="rect">
+            <a:avLst/>
+          </a:prstGeom>
+        </p:spPr>
+        <p:style>
+          <a:lnRef idx="2">
+            <a:schemeClr val="accent1">
+              <a:shade val="50000"/>
+            </a:schemeClr>
+          </a:lnRef>
+          <a:fillRef idx="1">
+            <a:schemeClr val="accent1"/>
+          </a:fillRef>
+          <a:effectRef idx="0">
+            <a:schemeClr val="accent1"/>
+          </a:effectRef>
+          <a:fontRef idx="minor">
+            <a:schemeClr val="lt1"/>
+          </a:fontRef>
+        </p:style>
+        <p:txBody>
+          <a:bodyPr rtlCol="0" anchor="ctr"/>
+          <a:lstStyle/>
+          <a:p>
+            <a:pPr algn="ctr"/>
+            <a:endParaRPr lang="en-US"/>
+          </a:p>
+        </p:txBody>
+      </p:sp>
+      <p:sp>
+        <p:nvSpPr>
+          <p:cNvPr id="30" name="Rectangle 29">
+            <a:extLst>
+              <a:ext uri="{FF2B5EF4-FFF2-40B4-BE49-F238E27FC236}">
+                <a16:creationId xmlns:a16="http://schemas.microsoft.com/office/drawing/2014/main" id="{1BF23D9E-67DA-4A6F-BED7-30D4BA95AC98}"/>
+              </a:ext>
+            </a:extLst>
+          </p:cNvPr>
+          <p:cNvSpPr/>
+          <p:nvPr/>
+        </p:nvSpPr>
+        <p:spPr>
+          <a:xfrm>
+            <a:off x="7205770" y="1424285"/>
+            <a:ext cx="1332730" cy="114555"/>
+          </a:xfrm>
+          <a:prstGeom prst="rect">
+            <a:avLst/>
+          </a:prstGeom>
+        </p:spPr>
+        <p:style>
+          <a:lnRef idx="2">
+            <a:schemeClr val="accent1">
+              <a:shade val="50000"/>
+            </a:schemeClr>
+          </a:lnRef>
+          <a:fillRef idx="1">
+            <a:schemeClr val="accent1"/>
+          </a:fillRef>
+          <a:effectRef idx="0">
+            <a:schemeClr val="accent1"/>
+          </a:effectRef>
+          <a:fontRef idx="minor">
+            <a:schemeClr val="lt1"/>
+          </a:fontRef>
+        </p:style>
+        <p:txBody>
+          <a:bodyPr rtlCol="0" anchor="ctr"/>
+          <a:lstStyle/>
+          <a:p>
+            <a:pPr algn="ctr"/>
+            <a:endParaRPr lang="en-US"/>
+          </a:p>
+        </p:txBody>
+      </p:sp>
+      <p:sp>
+        <p:nvSpPr>
+          <p:cNvPr id="31" name="Rectangle 30">
+            <a:extLst>
+              <a:ext uri="{FF2B5EF4-FFF2-40B4-BE49-F238E27FC236}">
+                <a16:creationId xmlns:a16="http://schemas.microsoft.com/office/drawing/2014/main" id="{65AFC1CD-5376-4B68-A15A-7DAC4720C383}"/>
+              </a:ext>
+            </a:extLst>
+          </p:cNvPr>
+          <p:cNvSpPr/>
+          <p:nvPr/>
+        </p:nvSpPr>
+        <p:spPr>
+          <a:xfrm>
+            <a:off x="7205828" y="1743795"/>
+            <a:ext cx="1333394" cy="102184"/>
+          </a:xfrm>
+          <a:prstGeom prst="rect">
+            <a:avLst/>
+          </a:prstGeom>
+        </p:spPr>
+        <p:style>
+          <a:lnRef idx="2">
+            <a:schemeClr val="accent1">
+              <a:shade val="50000"/>
+            </a:schemeClr>
+          </a:lnRef>
+          <a:fillRef idx="1">
+            <a:schemeClr val="accent1"/>
+          </a:fillRef>
+          <a:effectRef idx="0">
+            <a:schemeClr val="accent1"/>
+          </a:effectRef>
+          <a:fontRef idx="minor">
+            <a:schemeClr val="lt1"/>
+          </a:fontRef>
+        </p:style>
+        <p:txBody>
+          <a:bodyPr rtlCol="0" anchor="ctr"/>
+          <a:lstStyle/>
+          <a:p>
+            <a:pPr algn="ctr"/>
+            <a:endParaRPr lang="en-US"/>
+          </a:p>
+        </p:txBody>
+      </p:sp>
+      <p:sp>
+        <p:nvSpPr>
+          <p:cNvPr id="32" name="Rectangle 31">
+            <a:extLst>
+              <a:ext uri="{FF2B5EF4-FFF2-40B4-BE49-F238E27FC236}">
+                <a16:creationId xmlns:a16="http://schemas.microsoft.com/office/drawing/2014/main" id="{2FDC93A4-63B9-409C-B16E-D5C2AA9C19E8}"/>
+              </a:ext>
+            </a:extLst>
+          </p:cNvPr>
+          <p:cNvSpPr/>
+          <p:nvPr/>
+        </p:nvSpPr>
+        <p:spPr>
+          <a:xfrm>
+            <a:off x="7205886" y="2037681"/>
+            <a:ext cx="1054074" cy="95139"/>
+          </a:xfrm>
+          <a:prstGeom prst="rect">
+            <a:avLst/>
+          </a:prstGeom>
+        </p:spPr>
+        <p:style>
+          <a:lnRef idx="2">
+            <a:schemeClr val="accent1">
+              <a:shade val="50000"/>
+            </a:schemeClr>
+          </a:lnRef>
+          <a:fillRef idx="1">
+            <a:schemeClr val="accent1"/>
+          </a:fillRef>
+          <a:effectRef idx="0">
+            <a:schemeClr val="accent1"/>
+          </a:effectRef>
+          <a:fontRef idx="minor">
+            <a:schemeClr val="lt1"/>
+          </a:fontRef>
+        </p:style>
+        <p:txBody>
+          <a:bodyPr rtlCol="0" anchor="ctr"/>
+          <a:lstStyle/>
+          <a:p>
+            <a:pPr algn="ctr"/>
+            <a:endParaRPr lang="en-US"/>
+          </a:p>
+        </p:txBody>
+      </p:sp>
+      <p:sp>
+        <p:nvSpPr>
+          <p:cNvPr id="33" name="Rectangle 32">
+            <a:extLst>
+              <a:ext uri="{FF2B5EF4-FFF2-40B4-BE49-F238E27FC236}">
+                <a16:creationId xmlns:a16="http://schemas.microsoft.com/office/drawing/2014/main" id="{49ECC122-9718-4104-8F80-FBAA32591A74}"/>
+              </a:ext>
+            </a:extLst>
+          </p:cNvPr>
+          <p:cNvSpPr/>
+          <p:nvPr/>
+        </p:nvSpPr>
+        <p:spPr>
+          <a:xfrm>
+            <a:off x="7205944" y="2323651"/>
+            <a:ext cx="1292256" cy="116308"/>
+          </a:xfrm>
+          <a:prstGeom prst="rect">
+            <a:avLst/>
+          </a:prstGeom>
+        </p:spPr>
+        <p:style>
+          <a:lnRef idx="2">
+            <a:schemeClr val="accent1">
+              <a:shade val="50000"/>
+            </a:schemeClr>
+          </a:lnRef>
+          <a:fillRef idx="1">
+            <a:schemeClr val="accent1"/>
+          </a:fillRef>
+          <a:effectRef idx="0">
+            <a:schemeClr val="accent1"/>
+          </a:effectRef>
+          <a:fontRef idx="minor">
+            <a:schemeClr val="lt1"/>
+          </a:fontRef>
+        </p:style>
+        <p:txBody>
+          <a:bodyPr rtlCol="0" anchor="ctr"/>
+          <a:lstStyle/>
+          <a:p>
+            <a:pPr algn="ctr"/>
+            <a:endParaRPr lang="en-US"/>
+          </a:p>
+        </p:txBody>
+      </p:sp>
+      <p:sp>
+        <p:nvSpPr>
+          <p:cNvPr id="34" name="Rectangle 33">
+            <a:extLst>
+              <a:ext uri="{FF2B5EF4-FFF2-40B4-BE49-F238E27FC236}">
+                <a16:creationId xmlns:a16="http://schemas.microsoft.com/office/drawing/2014/main" id="{1605A90D-C51F-4BEB-AC48-237B095E7448}"/>
+              </a:ext>
+            </a:extLst>
+          </p:cNvPr>
+          <p:cNvSpPr/>
+          <p:nvPr/>
+        </p:nvSpPr>
+        <p:spPr>
+          <a:xfrm>
+            <a:off x="7206002" y="2620200"/>
+            <a:ext cx="159572" cy="116308"/>
+          </a:xfrm>
+          <a:prstGeom prst="rect">
+            <a:avLst/>
+          </a:prstGeom>
+        </p:spPr>
+        <p:style>
+          <a:lnRef idx="2">
+            <a:schemeClr val="accent1">
+              <a:shade val="50000"/>
+            </a:schemeClr>
+          </a:lnRef>
+          <a:fillRef idx="1">
+            <a:schemeClr val="accent1"/>
+          </a:fillRef>
+          <a:effectRef idx="0">
+            <a:schemeClr val="accent1"/>
+          </a:effectRef>
+          <a:fontRef idx="minor">
+            <a:schemeClr val="lt1"/>
+          </a:fontRef>
+        </p:style>
+        <p:txBody>
+          <a:bodyPr rtlCol="0" anchor="ctr"/>
+          <a:lstStyle/>
+          <a:p>
+            <a:pPr algn="ctr"/>
+            <a:endParaRPr lang="en-US"/>
+          </a:p>
+        </p:txBody>
+      </p:sp>
+      <p:sp>
+        <p:nvSpPr>
+          <p:cNvPr id="35" name="Rectangle 34">
+            <a:extLst>
+              <a:ext uri="{FF2B5EF4-FFF2-40B4-BE49-F238E27FC236}">
+                <a16:creationId xmlns:a16="http://schemas.microsoft.com/office/drawing/2014/main" id="{82F2400D-BB4F-41AC-AB80-1B3A78C4C599}"/>
+              </a:ext>
+            </a:extLst>
+          </p:cNvPr>
+          <p:cNvSpPr/>
+          <p:nvPr/>
+        </p:nvSpPr>
+        <p:spPr>
+          <a:xfrm>
+            <a:off x="9598896" y="2620229"/>
+            <a:ext cx="1161438" cy="116308"/>
+          </a:xfrm>
+          <a:prstGeom prst="rect">
+            <a:avLst/>
+          </a:prstGeom>
+        </p:spPr>
+        <p:style>
+          <a:lnRef idx="2">
+            <a:schemeClr val="accent1">
+              <a:shade val="50000"/>
+            </a:schemeClr>
+          </a:lnRef>
+          <a:fillRef idx="1">
+            <a:schemeClr val="accent1"/>
+          </a:fillRef>
+          <a:effectRef idx="0">
+            <a:schemeClr val="accent1"/>
+          </a:effectRef>
+          <a:fontRef idx="minor">
+            <a:schemeClr val="lt1"/>
+          </a:fontRef>
+        </p:style>
+        <p:txBody>
+          <a:bodyPr rtlCol="0" anchor="ctr"/>
+          <a:lstStyle/>
+          <a:p>
+            <a:pPr algn="ctr"/>
+            <a:endParaRPr lang="en-US"/>
+          </a:p>
+        </p:txBody>
+      </p:sp>
+      <p:sp>
+        <p:nvSpPr>
+          <p:cNvPr id="36" name="Rectangle 35">
+            <a:extLst>
+              <a:ext uri="{FF2B5EF4-FFF2-40B4-BE49-F238E27FC236}">
+                <a16:creationId xmlns:a16="http://schemas.microsoft.com/office/drawing/2014/main" id="{220E1FB3-93F6-4C09-BBF4-B0192947D7A3}"/>
+              </a:ext>
+            </a:extLst>
+          </p:cNvPr>
+          <p:cNvSpPr/>
+          <p:nvPr/>
+        </p:nvSpPr>
+        <p:spPr>
+          <a:xfrm>
+            <a:off x="9598955" y="2323738"/>
+            <a:ext cx="1990920" cy="116308"/>
+          </a:xfrm>
+          <a:prstGeom prst="rect">
+            <a:avLst/>
+          </a:prstGeom>
+        </p:spPr>
+        <p:style>
+          <a:lnRef idx="2">
+            <a:schemeClr val="accent1">
+              <a:shade val="50000"/>
+            </a:schemeClr>
+          </a:lnRef>
+          <a:fillRef idx="1">
+            <a:schemeClr val="accent1"/>
+          </a:fillRef>
+          <a:effectRef idx="0">
+            <a:schemeClr val="accent1"/>
+          </a:effectRef>
+          <a:fontRef idx="minor">
+            <a:schemeClr val="lt1"/>
+          </a:fontRef>
+        </p:style>
+        <p:txBody>
+          <a:bodyPr rtlCol="0" anchor="ctr"/>
+          <a:lstStyle/>
+          <a:p>
+            <a:pPr algn="ctr"/>
+            <a:endParaRPr lang="en-US"/>
+          </a:p>
+        </p:txBody>
+      </p:sp>
+      <p:sp>
+        <p:nvSpPr>
+          <p:cNvPr id="37" name="Rectangle 36">
+            <a:extLst>
+              <a:ext uri="{FF2B5EF4-FFF2-40B4-BE49-F238E27FC236}">
+                <a16:creationId xmlns:a16="http://schemas.microsoft.com/office/drawing/2014/main" id="{AC7E48F9-1441-4E9F-8060-9CFC91920B32}"/>
+              </a:ext>
+            </a:extLst>
+          </p:cNvPr>
+          <p:cNvSpPr/>
+          <p:nvPr/>
+        </p:nvSpPr>
+        <p:spPr>
+          <a:xfrm>
+            <a:off x="9599012" y="2037826"/>
+            <a:ext cx="1654092" cy="95139"/>
+          </a:xfrm>
+          <a:prstGeom prst="rect">
+            <a:avLst/>
+          </a:prstGeom>
+        </p:spPr>
+        <p:style>
+          <a:lnRef idx="2">
+            <a:schemeClr val="accent1">
+              <a:shade val="50000"/>
+            </a:schemeClr>
+          </a:lnRef>
+          <a:fillRef idx="1">
+            <a:schemeClr val="accent1"/>
+          </a:fillRef>
+          <a:effectRef idx="0">
+            <a:schemeClr val="accent1"/>
+          </a:effectRef>
+          <a:fontRef idx="minor">
+            <a:schemeClr val="lt1"/>
+          </a:fontRef>
+        </p:style>
+        <p:txBody>
+          <a:bodyPr rtlCol="0" anchor="ctr"/>
+          <a:lstStyle/>
+          <a:p>
+            <a:pPr algn="ctr"/>
+            <a:endParaRPr lang="en-US"/>
+          </a:p>
+        </p:txBody>
+      </p:sp>
+      <p:sp>
+        <p:nvSpPr>
+          <p:cNvPr id="38" name="Rectangle 37">
+            <a:extLst>
+              <a:ext uri="{FF2B5EF4-FFF2-40B4-BE49-F238E27FC236}">
+                <a16:creationId xmlns:a16="http://schemas.microsoft.com/office/drawing/2014/main" id="{A26B3DC1-2EAF-49AE-8F3B-0862B29FFB0F}"/>
+              </a:ext>
+            </a:extLst>
+          </p:cNvPr>
+          <p:cNvSpPr/>
+          <p:nvPr/>
+        </p:nvSpPr>
+        <p:spPr>
+          <a:xfrm>
+            <a:off x="9599070" y="1743998"/>
+            <a:ext cx="1666393" cy="102184"/>
+          </a:xfrm>
+          <a:prstGeom prst="rect">
+            <a:avLst/>
+          </a:prstGeom>
+        </p:spPr>
+        <p:style>
+          <a:lnRef idx="2">
+            <a:schemeClr val="accent1">
+              <a:shade val="50000"/>
+            </a:schemeClr>
+          </a:lnRef>
+          <a:fillRef idx="1">
+            <a:schemeClr val="accent1"/>
+          </a:fillRef>
+          <a:effectRef idx="0">
+            <a:schemeClr val="accent1"/>
+          </a:effectRef>
+          <a:fontRef idx="minor">
+            <a:schemeClr val="lt1"/>
+          </a:fontRef>
+        </p:style>
+        <p:txBody>
+          <a:bodyPr rtlCol="0" anchor="ctr"/>
+          <a:lstStyle/>
+          <a:p>
+            <a:pPr algn="ctr"/>
+            <a:endParaRPr lang="en-US"/>
+          </a:p>
+        </p:txBody>
+      </p:sp>
+      <p:sp>
+        <p:nvSpPr>
+          <p:cNvPr id="39" name="Rectangle 38">
+            <a:extLst>
+              <a:ext uri="{FF2B5EF4-FFF2-40B4-BE49-F238E27FC236}">
+                <a16:creationId xmlns:a16="http://schemas.microsoft.com/office/drawing/2014/main" id="{2944B6CB-A50D-4580-9B89-E12C5F3AA7B2}"/>
+              </a:ext>
+            </a:extLst>
+          </p:cNvPr>
+          <p:cNvSpPr/>
+          <p:nvPr/>
+        </p:nvSpPr>
+        <p:spPr>
+          <a:xfrm>
+            <a:off x="9599128" y="1424546"/>
+            <a:ext cx="291550" cy="114555"/>
+          </a:xfrm>
+          <a:prstGeom prst="rect">
+            <a:avLst/>
+          </a:prstGeom>
+        </p:spPr>
+        <p:style>
+          <a:lnRef idx="2">
+            <a:schemeClr val="accent1">
+              <a:shade val="50000"/>
+            </a:schemeClr>
+          </a:lnRef>
+          <a:fillRef idx="1">
+            <a:schemeClr val="accent1"/>
+          </a:fillRef>
+          <a:effectRef idx="0">
+            <a:schemeClr val="accent1"/>
+          </a:effectRef>
+          <a:fontRef idx="minor">
+            <a:schemeClr val="lt1"/>
+          </a:fontRef>
+        </p:style>
+        <p:txBody>
+          <a:bodyPr rtlCol="0" anchor="ctr"/>
+          <a:lstStyle/>
+          <a:p>
+            <a:pPr algn="ctr"/>
+            <a:endParaRPr lang="en-US"/>
+          </a:p>
+        </p:txBody>
+      </p:sp>
+      <p:sp>
+        <p:nvSpPr>
+          <p:cNvPr id="40" name="Rectangle 39">
+            <a:extLst>
+              <a:ext uri="{FF2B5EF4-FFF2-40B4-BE49-F238E27FC236}">
+                <a16:creationId xmlns:a16="http://schemas.microsoft.com/office/drawing/2014/main" id="{F5FB9D60-9ACA-416E-9149-E1B219D59257}"/>
+              </a:ext>
+            </a:extLst>
+          </p:cNvPr>
+          <p:cNvSpPr/>
+          <p:nvPr/>
+        </p:nvSpPr>
+        <p:spPr>
+          <a:xfrm>
+            <a:off x="4834688" y="3329898"/>
+            <a:ext cx="1580454" cy="105724"/>
+          </a:xfrm>
+          <a:prstGeom prst="rect">
+            <a:avLst/>
+          </a:prstGeom>
+        </p:spPr>
+        <p:style>
+          <a:lnRef idx="2">
+            <a:schemeClr val="accent1">
+              <a:shade val="50000"/>
+            </a:schemeClr>
+          </a:lnRef>
+          <a:fillRef idx="1">
+            <a:schemeClr val="accent1"/>
+          </a:fillRef>
+          <a:effectRef idx="0">
+            <a:schemeClr val="accent1"/>
+          </a:effectRef>
+          <a:fontRef idx="minor">
+            <a:schemeClr val="lt1"/>
+          </a:fontRef>
+        </p:style>
+        <p:txBody>
+          <a:bodyPr rtlCol="0" anchor="ctr"/>
+          <a:lstStyle/>
+          <a:p>
+            <a:pPr algn="ctr"/>
+            <a:endParaRPr lang="en-US"/>
+          </a:p>
+        </p:txBody>
+      </p:sp>
+      <p:sp>
+        <p:nvSpPr>
+          <p:cNvPr id="41" name="Rectangle 40">
+            <a:extLst>
+              <a:ext uri="{FF2B5EF4-FFF2-40B4-BE49-F238E27FC236}">
+                <a16:creationId xmlns:a16="http://schemas.microsoft.com/office/drawing/2014/main" id="{FA871321-021D-4B94-A844-A6DD2D351CD0}"/>
+              </a:ext>
+            </a:extLst>
+          </p:cNvPr>
+          <p:cNvSpPr/>
+          <p:nvPr/>
+        </p:nvSpPr>
+        <p:spPr>
+          <a:xfrm>
+            <a:off x="4834746" y="3637032"/>
+            <a:ext cx="725914" cy="95139"/>
+          </a:xfrm>
+          <a:prstGeom prst="rect">
+            <a:avLst/>
+          </a:prstGeom>
+        </p:spPr>
+        <p:style>
+          <a:lnRef idx="2">
+            <a:schemeClr val="accent1">
+              <a:shade val="50000"/>
+            </a:schemeClr>
+          </a:lnRef>
+          <a:fillRef idx="1">
+            <a:schemeClr val="accent1"/>
+          </a:fillRef>
+          <a:effectRef idx="0">
+            <a:schemeClr val="accent1"/>
+          </a:effectRef>
+          <a:fontRef idx="minor">
+            <a:schemeClr val="lt1"/>
+          </a:fontRef>
+        </p:style>
+        <p:txBody>
+          <a:bodyPr rtlCol="0" anchor="ctr"/>
+          <a:lstStyle/>
+          <a:p>
+            <a:pPr algn="ctr"/>
+            <a:endParaRPr lang="en-US"/>
+          </a:p>
+        </p:txBody>
+      </p:sp>
+      <p:sp>
+        <p:nvSpPr>
+          <p:cNvPr id="42" name="Rectangle 41">
+            <a:extLst>
+              <a:ext uri="{FF2B5EF4-FFF2-40B4-BE49-F238E27FC236}">
+                <a16:creationId xmlns:a16="http://schemas.microsoft.com/office/drawing/2014/main" id="{D1D6C53C-EBD0-4C2F-9578-B42547C9428F}"/>
+              </a:ext>
+            </a:extLst>
+          </p:cNvPr>
+          <p:cNvSpPr/>
+          <p:nvPr/>
+        </p:nvSpPr>
+        <p:spPr>
+          <a:xfrm>
+            <a:off x="4834804" y="3913295"/>
+            <a:ext cx="1585369" cy="126015"/>
+          </a:xfrm>
+          <a:prstGeom prst="rect">
+            <a:avLst/>
+          </a:prstGeom>
+        </p:spPr>
+        <p:style>
+          <a:lnRef idx="2">
+            <a:schemeClr val="accent1">
+              <a:shade val="50000"/>
+            </a:schemeClr>
+          </a:lnRef>
+          <a:fillRef idx="1">
+            <a:schemeClr val="accent1"/>
+          </a:fillRef>
+          <a:effectRef idx="0">
+            <a:schemeClr val="accent1"/>
+          </a:effectRef>
+          <a:fontRef idx="minor">
+            <a:schemeClr val="lt1"/>
+          </a:fontRef>
+        </p:style>
+        <p:txBody>
+          <a:bodyPr rtlCol="0" anchor="ctr"/>
+          <a:lstStyle/>
+          <a:p>
+            <a:pPr algn="ctr"/>
+            <a:endParaRPr lang="en-US"/>
+          </a:p>
+        </p:txBody>
+      </p:sp>
+      <p:sp>
+        <p:nvSpPr>
+          <p:cNvPr id="43" name="Rectangle 42">
+            <a:extLst>
+              <a:ext uri="{FF2B5EF4-FFF2-40B4-BE49-F238E27FC236}">
+                <a16:creationId xmlns:a16="http://schemas.microsoft.com/office/drawing/2014/main" id="{08B2E1AE-9107-4AB5-B1A3-E2BA2C25DA29}"/>
+              </a:ext>
+            </a:extLst>
+          </p:cNvPr>
+          <p:cNvSpPr/>
+          <p:nvPr/>
+        </p:nvSpPr>
+        <p:spPr>
+          <a:xfrm>
+            <a:off x="4834862" y="4205427"/>
+            <a:ext cx="1580454" cy="130432"/>
+          </a:xfrm>
+          <a:prstGeom prst="rect">
+            <a:avLst/>
+          </a:prstGeom>
+        </p:spPr>
+        <p:style>
+          <a:lnRef idx="2">
+            <a:schemeClr val="accent1">
+              <a:shade val="50000"/>
+            </a:schemeClr>
+          </a:lnRef>
+          <a:fillRef idx="1">
+            <a:schemeClr val="accent1"/>
+          </a:fillRef>
+          <a:effectRef idx="0">
+            <a:schemeClr val="accent1"/>
+          </a:effectRef>
+          <a:fontRef idx="minor">
+            <a:schemeClr val="lt1"/>
+          </a:fontRef>
+        </p:style>
+        <p:txBody>
+          <a:bodyPr rtlCol="0" anchor="ctr"/>
+          <a:lstStyle/>
+          <a:p>
+            <a:pPr algn="ctr"/>
+            <a:endParaRPr lang="en-US"/>
+          </a:p>
+        </p:txBody>
+      </p:sp>
+      <p:sp>
+        <p:nvSpPr>
+          <p:cNvPr id="44" name="Rectangle 43">
+            <a:extLst>
+              <a:ext uri="{FF2B5EF4-FFF2-40B4-BE49-F238E27FC236}">
+                <a16:creationId xmlns:a16="http://schemas.microsoft.com/office/drawing/2014/main" id="{586C6922-3755-4859-BD6E-F3D548648C05}"/>
+              </a:ext>
+            </a:extLst>
+          </p:cNvPr>
+          <p:cNvSpPr/>
+          <p:nvPr/>
+        </p:nvSpPr>
+        <p:spPr>
+          <a:xfrm>
+            <a:off x="4834920" y="4531976"/>
+            <a:ext cx="725914" cy="100431"/>
+          </a:xfrm>
+          <a:prstGeom prst="rect">
+            <a:avLst/>
+          </a:prstGeom>
+        </p:spPr>
+        <p:style>
+          <a:lnRef idx="2">
+            <a:schemeClr val="accent1">
+              <a:shade val="50000"/>
+            </a:schemeClr>
+          </a:lnRef>
+          <a:fillRef idx="1">
+            <a:schemeClr val="accent1"/>
+          </a:fillRef>
+          <a:effectRef idx="0">
+            <a:schemeClr val="accent1"/>
+          </a:effectRef>
+          <a:fontRef idx="minor">
+            <a:schemeClr val="lt1"/>
+          </a:fontRef>
+        </p:style>
+        <p:txBody>
+          <a:bodyPr rtlCol="0" anchor="ctr"/>
+          <a:lstStyle/>
+          <a:p>
+            <a:pPr algn="ctr"/>
+            <a:endParaRPr lang="en-US"/>
+          </a:p>
+        </p:txBody>
+      </p:sp>
+      <p:sp>
+        <p:nvSpPr>
+          <p:cNvPr id="45" name="Rectangle 44">
+            <a:extLst>
+              <a:ext uri="{FF2B5EF4-FFF2-40B4-BE49-F238E27FC236}">
+                <a16:creationId xmlns:a16="http://schemas.microsoft.com/office/drawing/2014/main" id="{250C154E-BAF2-4237-B983-54590F560D3C}"/>
+              </a:ext>
+            </a:extLst>
+          </p:cNvPr>
+          <p:cNvSpPr/>
+          <p:nvPr/>
+        </p:nvSpPr>
+        <p:spPr>
+          <a:xfrm>
+            <a:off x="4834978" y="4817945"/>
+            <a:ext cx="1585368" cy="121601"/>
+          </a:xfrm>
+          <a:prstGeom prst="rect">
+            <a:avLst/>
+          </a:prstGeom>
+        </p:spPr>
+        <p:style>
+          <a:lnRef idx="2">
+            <a:schemeClr val="accent1">
+              <a:shade val="50000"/>
+            </a:schemeClr>
+          </a:lnRef>
+          <a:fillRef idx="1">
+            <a:schemeClr val="accent1"/>
+          </a:fillRef>
+          <a:effectRef idx="0">
+            <a:schemeClr val="accent1"/>
+          </a:effectRef>
+          <a:fontRef idx="minor">
+            <a:schemeClr val="lt1"/>
+          </a:fontRef>
+        </p:style>
+        <p:txBody>
+          <a:bodyPr rtlCol="0" anchor="ctr"/>
+          <a:lstStyle/>
+          <a:p>
+            <a:pPr algn="ctr"/>
+            <a:endParaRPr lang="en-US"/>
+          </a:p>
+        </p:txBody>
+      </p:sp>
+      <p:sp>
+        <p:nvSpPr>
+          <p:cNvPr id="18" name="TextBox 17">
+            <a:extLst>
+              <a:ext uri="{FF2B5EF4-FFF2-40B4-BE49-F238E27FC236}">
+                <a16:creationId xmlns:a16="http://schemas.microsoft.com/office/drawing/2014/main" id="{5C8ABB5B-9BA5-4896-821C-FF78E0941BC1}"/>
+              </a:ext>
+            </a:extLst>
+          </p:cNvPr>
+          <p:cNvSpPr txBox="1"/>
+          <p:nvPr/>
+        </p:nvSpPr>
+        <p:spPr>
+          <a:xfrm>
+            <a:off x="2811864" y="947505"/>
+            <a:ext cx="402809" cy="369332"/>
+          </a:xfrm>
+          <a:prstGeom prst="rect">
+            <a:avLst/>
+          </a:prstGeom>
+          <a:noFill/>
+        </p:spPr>
+        <p:txBody>
+          <a:bodyPr rot="0" spcFirstLastPara="0" vertOverflow="overflow" horzOverflow="overflow" vert="horz" wrap="square" lIns="91440" tIns="45720" rIns="91440" bIns="45720" numCol="1" spcCol="0" rtlCol="0" fromWordArt="0" anchor="t" anchorCtr="0" forceAA="0" compatLnSpc="1">
+            <a:prstTxWarp prst="textNoShape">
+              <a:avLst/>
+            </a:prstTxWarp>
+            <a:spAutoFit/>
+          </a:bodyPr>
+          <a:lstStyle/>
+          <a:p>
+            <a:pPr algn="l"/>
+            <a:r>
+              <a:rPr lang="en-US" dirty="0"/>
+              <a:t>x</a:t>
+            </a:r>
+          </a:p>
+        </p:txBody>
+      </p:sp>
+      <p:pic>
+        <p:nvPicPr>
+          <p:cNvPr id="47" name="Picture 47" descr="Icon&#10;&#10;Description automatically generated">
+            <a:extLst>
+              <a:ext uri="{FF2B5EF4-FFF2-40B4-BE49-F238E27FC236}">
+                <a16:creationId xmlns:a16="http://schemas.microsoft.com/office/drawing/2014/main" id="{07C83836-DE07-4A5B-9D0D-A76C008BDFAE}"/>
+              </a:ext>
+            </a:extLst>
+          </p:cNvPr>
+          <p:cNvPicPr>
+            <a:picLocks noChangeAspect="1"/>
+          </p:cNvPicPr>
+          <p:nvPr/>
+        </p:nvPicPr>
+        <p:blipFill>
+          <a:blip r:embed="rId3"/>
+          <a:stretch>
+            <a:fillRect/>
+          </a:stretch>
+        </p:blipFill>
+        <p:spPr>
+          <a:xfrm>
+            <a:off x="4776877" y="5362194"/>
+            <a:ext cx="367236" cy="375771"/>
+          </a:xfrm>
+          <a:prstGeom prst="rect">
+            <a:avLst/>
+          </a:prstGeom>
+        </p:spPr>
+      </p:pic>
+      <p:sp>
+        <p:nvSpPr>
+          <p:cNvPr id="50" name="TextBox 49">
+            <a:extLst>
+              <a:ext uri="{FF2B5EF4-FFF2-40B4-BE49-F238E27FC236}">
+                <a16:creationId xmlns:a16="http://schemas.microsoft.com/office/drawing/2014/main" id="{3CA9AF16-1C7D-4993-A140-24D361FBE76D}"/>
+              </a:ext>
+            </a:extLst>
+          </p:cNvPr>
+          <p:cNvSpPr txBox="1"/>
+          <p:nvPr/>
+        </p:nvSpPr>
+        <p:spPr>
+          <a:xfrm>
+            <a:off x="2631990" y="3330450"/>
+            <a:ext cx="1025058" cy="369332"/>
+          </a:xfrm>
+          <a:prstGeom prst="rect">
+            <a:avLst/>
+          </a:prstGeom>
+          <a:noFill/>
+        </p:spPr>
+        <p:txBody>
+          <a:bodyPr rot="0" spcFirstLastPara="0" vertOverflow="overflow" horzOverflow="overflow" vert="horz" wrap="square" lIns="91440" tIns="45720" rIns="91440" bIns="45720" numCol="1" spcCol="0" rtlCol="0" fromWordArt="0" anchor="t" anchorCtr="0" forceAA="0" compatLnSpc="1">
+            <a:prstTxWarp prst="textNoShape">
+              <a:avLst/>
+            </a:prstTxWarp>
+            <a:spAutoFit/>
+          </a:bodyPr>
+          <a:lstStyle/>
+          <a:p>
+            <a:r>
+              <a:rPr lang="pt-BR" dirty="0">
+                <a:latin typeface="Arial"/>
+                <a:cs typeface="Arial"/>
+              </a:rPr>
+              <a:t>Dulce</a:t>
+            </a:r>
+          </a:p>
+        </p:txBody>
+      </p:sp>
+      <p:sp>
+        <p:nvSpPr>
+          <p:cNvPr id="51" name="TextBox 50">
+            <a:extLst>
+              <a:ext uri="{FF2B5EF4-FFF2-40B4-BE49-F238E27FC236}">
+                <a16:creationId xmlns:a16="http://schemas.microsoft.com/office/drawing/2014/main" id="{9CCCB8FC-24EF-45EA-8980-D9FAE345768B}"/>
+              </a:ext>
+            </a:extLst>
+          </p:cNvPr>
+          <p:cNvSpPr txBox="1"/>
+          <p:nvPr/>
+        </p:nvSpPr>
+        <p:spPr>
+          <a:xfrm>
+            <a:off x="9524633" y="3192920"/>
+            <a:ext cx="2150160" cy="2123658"/>
+          </a:xfrm>
+          <a:prstGeom prst="rect">
+            <a:avLst/>
+          </a:prstGeom>
+          <a:noFill/>
+        </p:spPr>
+        <p:txBody>
+          <a:bodyPr rot="0" spcFirstLastPara="0" vertOverflow="overflow" horzOverflow="overflow" vert="horz" wrap="square" lIns="91440" tIns="45720" rIns="91440" bIns="45720" numCol="1" spcCol="0" rtlCol="0" fromWordArt="0" anchor="t" anchorCtr="0" forceAA="0" compatLnSpc="1">
+            <a:prstTxWarp prst="textNoShape">
+              <a:avLst/>
+            </a:prstTxWarp>
+            <a:spAutoFit/>
+          </a:bodyPr>
+          <a:lstStyle/>
+          <a:p>
+            <a:pPr marL="424180" indent="-343535">
+              <a:spcBef>
+                <a:spcPts val="860"/>
+              </a:spcBef>
+              <a:buFont typeface="Arial"/>
+              <a:buChar char="•"/>
+            </a:pPr>
+            <a:r>
+              <a:rPr lang="pt-BR" sz="1200" dirty="0">
+                <a:latin typeface="Arial"/>
+                <a:cs typeface="Arial"/>
+              </a:rPr>
+              <a:t>Necessita de apoio para a tarefas diárias. </a:t>
+            </a:r>
+            <a:endParaRPr lang="en-US" sz="1200" dirty="0">
+              <a:ea typeface="+mn-lt"/>
+              <a:cs typeface="+mn-lt"/>
+            </a:endParaRPr>
+          </a:p>
+          <a:p>
+            <a:pPr marL="424180" indent="-343535">
+              <a:buFont typeface="Arial"/>
+              <a:buChar char="•"/>
+            </a:pPr>
+            <a:r>
+              <a:rPr lang="pt-BR" sz="1200" dirty="0">
+                <a:latin typeface="Arial"/>
+                <a:cs typeface="Arial"/>
+              </a:rPr>
+              <a:t>Diaristas não cumprindo combinado</a:t>
+            </a:r>
+            <a:endParaRPr lang="en-US" sz="1200" dirty="0">
+              <a:ea typeface="+mn-lt"/>
+              <a:cs typeface="+mn-lt"/>
+            </a:endParaRPr>
+          </a:p>
+          <a:p>
+            <a:pPr marL="424180" indent="-343535">
+              <a:buFont typeface="Arial,Sans-Serif"/>
+              <a:buChar char="•"/>
+            </a:pPr>
+            <a:r>
+              <a:rPr lang="pt-BR" sz="1200" dirty="0">
+                <a:latin typeface="Arial"/>
+                <a:cs typeface="Arial"/>
+              </a:rPr>
+              <a:t>Não gosta ou não tem tempo para a atividade</a:t>
+            </a:r>
+            <a:endParaRPr lang="en-US" sz="1200" dirty="0">
+              <a:ea typeface="+mn-lt"/>
+              <a:cs typeface="+mn-lt"/>
+            </a:endParaRPr>
+          </a:p>
+          <a:p>
+            <a:pPr marL="424180" indent="-343535">
+              <a:buFont typeface="Arial,Sans-Serif"/>
+              <a:buChar char="•"/>
+            </a:pPr>
+            <a:r>
+              <a:rPr lang="pt-BR" sz="1200" dirty="0">
+                <a:latin typeface="Arial"/>
+                <a:cs typeface="Arial"/>
+              </a:rPr>
+              <a:t>Precisa de uma grande disponibilidade </a:t>
+            </a:r>
+            <a:endParaRPr lang="en-US" sz="1200" dirty="0">
+              <a:ea typeface="+mn-lt"/>
+              <a:cs typeface="+mn-lt"/>
+            </a:endParaRPr>
+          </a:p>
+          <a:p>
+            <a:pPr>
+              <a:buChar char="•"/>
+            </a:pPr>
+            <a:endParaRPr lang="en-US" sz="1200" dirty="0">
+              <a:latin typeface="Arial"/>
+              <a:cs typeface="Arial"/>
+            </a:endParaRPr>
+          </a:p>
+        </p:txBody>
+      </p:sp>
+      <p:sp>
+        <p:nvSpPr>
+          <p:cNvPr id="52" name="TextBox 51">
+            <a:extLst>
+              <a:ext uri="{FF2B5EF4-FFF2-40B4-BE49-F238E27FC236}">
+                <a16:creationId xmlns:a16="http://schemas.microsoft.com/office/drawing/2014/main" id="{BA478C0B-DD21-4A9F-B6D4-A7EE77139F8D}"/>
+              </a:ext>
+            </a:extLst>
+          </p:cNvPr>
+          <p:cNvSpPr txBox="1"/>
+          <p:nvPr/>
+        </p:nvSpPr>
+        <p:spPr>
+          <a:xfrm>
+            <a:off x="7121208" y="5395485"/>
+            <a:ext cx="2139569" cy="523220"/>
+          </a:xfrm>
+          <a:prstGeom prst="rect">
+            <a:avLst/>
+          </a:prstGeom>
+          <a:noFill/>
+        </p:spPr>
+        <p:txBody>
+          <a:bodyPr rot="0" spcFirstLastPara="0" vertOverflow="overflow" horzOverflow="overflow" vert="horz" wrap="square" lIns="91440" tIns="45720" rIns="91440" bIns="45720" numCol="1" spcCol="0" rtlCol="0" fromWordArt="0" anchor="t" anchorCtr="0" forceAA="0" compatLnSpc="1">
+            <a:prstTxWarp prst="textNoShape">
+              <a:avLst/>
+            </a:prstTxWarp>
+            <a:spAutoFit/>
+          </a:bodyPr>
+          <a:lstStyle/>
+          <a:p>
+            <a:r>
+              <a:rPr lang="en-US" sz="1400" dirty="0" err="1">
+                <a:cs typeface="Calibri"/>
+              </a:rPr>
+              <a:t>Praticidade</a:t>
+            </a:r>
+            <a:r>
+              <a:rPr lang="en-US" sz="1400" dirty="0">
+                <a:cs typeface="Calibri"/>
+              </a:rPr>
+              <a:t> </a:t>
+            </a:r>
+            <a:r>
+              <a:rPr lang="en-US" sz="1400" dirty="0" err="1">
+                <a:cs typeface="Calibri"/>
+              </a:rPr>
+              <a:t>em</a:t>
+            </a:r>
+            <a:r>
+              <a:rPr lang="en-US" sz="1400" dirty="0">
+                <a:cs typeface="Calibri"/>
+              </a:rPr>
+              <a:t> </a:t>
+            </a:r>
+            <a:r>
+              <a:rPr lang="en-US" sz="1400" dirty="0" err="1">
+                <a:cs typeface="Calibri"/>
+              </a:rPr>
+              <a:t>contrataçao</a:t>
+            </a:r>
+            <a:r>
+              <a:rPr lang="en-US" sz="1400" dirty="0">
+                <a:cs typeface="Calibri"/>
+              </a:rPr>
+              <a:t> de </a:t>
+            </a:r>
+            <a:r>
+              <a:rPr lang="en-US" sz="1400" dirty="0" err="1">
+                <a:cs typeface="Calibri"/>
+              </a:rPr>
+              <a:t>doméstica</a:t>
+            </a:r>
+            <a:endParaRPr lang="en-US" sz="1400" dirty="0">
+              <a:cs typeface="Calibri"/>
+            </a:endParaRPr>
+          </a:p>
+        </p:txBody>
+      </p:sp>
+      <p:sp>
+        <p:nvSpPr>
+          <p:cNvPr id="55" name="TextBox 54">
+            <a:extLst>
+              <a:ext uri="{FF2B5EF4-FFF2-40B4-BE49-F238E27FC236}">
+                <a16:creationId xmlns:a16="http://schemas.microsoft.com/office/drawing/2014/main" id="{07257C5C-3111-42B1-AD12-87A7C61F4C05}"/>
+              </a:ext>
+            </a:extLst>
+          </p:cNvPr>
+          <p:cNvSpPr txBox="1"/>
+          <p:nvPr/>
+        </p:nvSpPr>
+        <p:spPr>
+          <a:xfrm>
+            <a:off x="7122763" y="6295663"/>
+            <a:ext cx="2139569" cy="461665"/>
+          </a:xfrm>
+          <a:prstGeom prst="rect">
+            <a:avLst/>
+          </a:prstGeom>
+          <a:noFill/>
+        </p:spPr>
+        <p:txBody>
+          <a:bodyPr rot="0" spcFirstLastPara="0" vertOverflow="overflow" horzOverflow="overflow" vert="horz" wrap="square" lIns="91440" tIns="45720" rIns="91440" bIns="45720" numCol="1" spcCol="0" rtlCol="0" fromWordArt="0" anchor="t" anchorCtr="0" forceAA="0" compatLnSpc="1">
+            <a:prstTxWarp prst="textNoShape">
+              <a:avLst/>
+            </a:prstTxWarp>
+            <a:spAutoFit/>
+          </a:bodyPr>
+          <a:lstStyle/>
+          <a:p>
+            <a:r>
+              <a:rPr lang="en-US" sz="1200" dirty="0" err="1">
+                <a:cs typeface="Calibri"/>
+              </a:rPr>
+              <a:t>Centralização</a:t>
+            </a:r>
+            <a:r>
+              <a:rPr lang="en-US" sz="1200" dirty="0">
+                <a:cs typeface="Calibri"/>
+              </a:rPr>
+              <a:t> do </a:t>
+            </a:r>
+            <a:r>
+              <a:rPr lang="en-US" sz="1200" dirty="0" err="1">
+                <a:cs typeface="Calibri"/>
+              </a:rPr>
+              <a:t>serviço</a:t>
+            </a:r>
+            <a:r>
+              <a:rPr lang="en-US" sz="1200" dirty="0">
+                <a:cs typeface="Calibri"/>
+              </a:rPr>
+              <a:t> </a:t>
+            </a:r>
+            <a:r>
+              <a:rPr lang="en-US" sz="1200" dirty="0" err="1">
+                <a:cs typeface="Calibri"/>
+              </a:rPr>
+              <a:t>na</a:t>
+            </a:r>
+            <a:r>
+              <a:rPr lang="en-US" sz="1200" dirty="0">
+                <a:cs typeface="Calibri"/>
+              </a:rPr>
+              <a:t> </a:t>
+            </a:r>
+            <a:r>
+              <a:rPr lang="en-US" sz="1200" dirty="0" err="1">
+                <a:cs typeface="Calibri"/>
+              </a:rPr>
+              <a:t>nossa</a:t>
+            </a:r>
+            <a:r>
+              <a:rPr lang="en-US" sz="1200" dirty="0">
+                <a:cs typeface="Calibri"/>
+              </a:rPr>
+              <a:t> </a:t>
+            </a:r>
+            <a:r>
+              <a:rPr lang="en-US" sz="1200" dirty="0" err="1">
+                <a:cs typeface="Calibri"/>
+              </a:rPr>
+              <a:t>plataforma</a:t>
+            </a:r>
+            <a:endParaRPr lang="en-US" sz="1400" dirty="0">
+              <a:cs typeface="Calibri"/>
+            </a:endParaRPr>
+          </a:p>
+        </p:txBody>
+      </p:sp>
+      <p:cxnSp>
+        <p:nvCxnSpPr>
+          <p:cNvPr id="8" name="Straight Arrow Connector 7">
+            <a:extLst>
+              <a:ext uri="{FF2B5EF4-FFF2-40B4-BE49-F238E27FC236}">
+                <a16:creationId xmlns:a16="http://schemas.microsoft.com/office/drawing/2014/main" id="{916FF622-9BDD-4754-941F-BBDF35AF97F6}"/>
+              </a:ext>
+            </a:extLst>
+          </p:cNvPr>
+          <p:cNvCxnSpPr/>
+          <p:nvPr/>
+        </p:nvCxnSpPr>
+        <p:spPr>
+          <a:xfrm flipV="1">
+            <a:off x="9782313" y="5685266"/>
+            <a:ext cx="1567320" cy="985268"/>
+          </a:xfrm>
+          <a:prstGeom prst="straightConnector1">
+            <a:avLst/>
+          </a:prstGeom>
+        </p:spPr>
+        <p:style>
+          <a:lnRef idx="1">
+            <a:schemeClr val="accent1"/>
+          </a:lnRef>
+          <a:fillRef idx="0">
+            <a:schemeClr val="accent1"/>
+          </a:fillRef>
+          <a:effectRef idx="0">
+            <a:schemeClr val="accent1"/>
+          </a:effectRef>
+          <a:fontRef idx="minor">
+            <a:schemeClr val="tx1"/>
+          </a:fontRef>
+        </p:style>
+      </p:cxnSp>
+      <p:pic>
+        <p:nvPicPr>
+          <p:cNvPr id="11" name="Picture 11" descr="Icon&#10;&#10;Description automatically generated">
+            <a:extLst>
+              <a:ext uri="{FF2B5EF4-FFF2-40B4-BE49-F238E27FC236}">
+                <a16:creationId xmlns:a16="http://schemas.microsoft.com/office/drawing/2014/main" id="{EA60C1A1-7E42-47FB-AC58-0E63ED321E73}"/>
+              </a:ext>
+            </a:extLst>
+          </p:cNvPr>
+          <p:cNvPicPr>
+            <a:picLocks noChangeAspect="1"/>
+          </p:cNvPicPr>
+          <p:nvPr/>
+        </p:nvPicPr>
+        <p:blipFill>
+          <a:blip r:embed="rId4"/>
+          <a:stretch>
+            <a:fillRect/>
+          </a:stretch>
+        </p:blipFill>
+        <p:spPr>
+          <a:xfrm>
+            <a:off x="5191817" y="5335555"/>
+            <a:ext cx="469028" cy="439565"/>
+          </a:xfrm>
+          <a:prstGeom prst="rect">
+            <a:avLst/>
+          </a:prstGeom>
+        </p:spPr>
+      </p:pic>
+      <p:sp>
+        <p:nvSpPr>
+          <p:cNvPr id="46" name="TextBox 45">
+            <a:extLst>
+              <a:ext uri="{FF2B5EF4-FFF2-40B4-BE49-F238E27FC236}">
+                <a16:creationId xmlns:a16="http://schemas.microsoft.com/office/drawing/2014/main" id="{F27FE362-DC86-445B-83DF-FFE8075074BB}"/>
+              </a:ext>
+            </a:extLst>
+          </p:cNvPr>
+          <p:cNvSpPr txBox="1"/>
+          <p:nvPr/>
+        </p:nvSpPr>
+        <p:spPr>
+          <a:xfrm>
+            <a:off x="2718180" y="3574048"/>
+            <a:ext cx="847590" cy="307777"/>
+          </a:xfrm>
+          <a:prstGeom prst="rect">
+            <a:avLst/>
+          </a:prstGeom>
+          <a:noFill/>
+        </p:spPr>
+        <p:txBody>
+          <a:bodyPr rot="0" spcFirstLastPara="0" vertOverflow="overflow" horzOverflow="overflow" vert="horz" wrap="square" lIns="91440" tIns="45720" rIns="91440" bIns="45720" numCol="1" spcCol="0" rtlCol="0" fromWordArt="0" anchor="t" anchorCtr="0" forceAA="0" compatLnSpc="1">
+            <a:prstTxWarp prst="textNoShape">
+              <a:avLst/>
+            </a:prstTxWarp>
+            <a:spAutoFit/>
+          </a:bodyPr>
+          <a:lstStyle/>
+          <a:p>
+            <a:r>
+              <a:rPr lang="pt-BR" sz="1400" dirty="0">
+                <a:latin typeface="Arial"/>
+              </a:rPr>
+              <a:t>40 anos</a:t>
+            </a:r>
+            <a:endParaRPr lang="en-US" dirty="0">
+              <a:cs typeface="Calibri"/>
+            </a:endParaRPr>
+          </a:p>
+        </p:txBody>
+      </p:sp>
+      <p:sp>
+        <p:nvSpPr>
+          <p:cNvPr id="48" name="TextBox 47">
+            <a:extLst>
+              <a:ext uri="{FF2B5EF4-FFF2-40B4-BE49-F238E27FC236}">
+                <a16:creationId xmlns:a16="http://schemas.microsoft.com/office/drawing/2014/main" id="{5F9D539C-AF5C-4D0E-8D34-DF744B5F2E5C}"/>
+              </a:ext>
+            </a:extLst>
+          </p:cNvPr>
+          <p:cNvSpPr txBox="1"/>
+          <p:nvPr/>
+        </p:nvSpPr>
+        <p:spPr>
+          <a:xfrm>
+            <a:off x="2813224" y="3785881"/>
+            <a:ext cx="1425758" cy="307777"/>
+          </a:xfrm>
+          <a:prstGeom prst="rect">
+            <a:avLst/>
+          </a:prstGeom>
+          <a:noFill/>
+        </p:spPr>
+        <p:txBody>
+          <a:bodyPr rot="0" spcFirstLastPara="0" vertOverflow="overflow" horzOverflow="overflow" vert="horz" wrap="square" lIns="91440" tIns="45720" rIns="91440" bIns="45720" numCol="1" spcCol="0" rtlCol="0" fromWordArt="0" anchor="t" anchorCtr="0" forceAA="0" compatLnSpc="1">
+            <a:prstTxWarp prst="textNoShape">
+              <a:avLst/>
+            </a:prstTxWarp>
+            <a:spAutoFit/>
+          </a:bodyPr>
+          <a:lstStyle/>
+          <a:p>
+            <a:r>
+              <a:rPr lang="pt-BR" sz="1400" dirty="0">
+                <a:latin typeface="Arial"/>
+                <a:cs typeface="Arial"/>
+              </a:rPr>
+              <a:t>Gerente de RH</a:t>
+            </a:r>
+          </a:p>
+        </p:txBody>
+      </p:sp>
+      <p:sp>
+        <p:nvSpPr>
+          <p:cNvPr id="53" name="TextBox 52">
+            <a:extLst>
+              <a:ext uri="{FF2B5EF4-FFF2-40B4-BE49-F238E27FC236}">
+                <a16:creationId xmlns:a16="http://schemas.microsoft.com/office/drawing/2014/main" id="{78B01A57-C0DE-4CF7-B19B-3EB41C2BD2A5}"/>
+              </a:ext>
+            </a:extLst>
+          </p:cNvPr>
+          <p:cNvSpPr txBox="1"/>
+          <p:nvPr/>
+        </p:nvSpPr>
+        <p:spPr>
+          <a:xfrm>
+            <a:off x="2633881" y="3965939"/>
+            <a:ext cx="1027620" cy="307777"/>
+          </a:xfrm>
+          <a:prstGeom prst="rect">
+            <a:avLst/>
+          </a:prstGeom>
+          <a:noFill/>
+        </p:spPr>
+        <p:txBody>
+          <a:bodyPr rot="0" spcFirstLastPara="0" vertOverflow="overflow" horzOverflow="overflow" vert="horz" wrap="square" lIns="91440" tIns="45720" rIns="91440" bIns="45720" numCol="1" spcCol="0" rtlCol="0" fromWordArt="0" anchor="t" anchorCtr="0" forceAA="0" compatLnSpc="1">
+            <a:prstTxWarp prst="textNoShape">
+              <a:avLst/>
+            </a:prstTxWarp>
+            <a:spAutoFit/>
+          </a:bodyPr>
+          <a:lstStyle/>
+          <a:p>
+            <a:r>
+              <a:rPr lang="pt-BR" sz="1400" dirty="0">
+                <a:latin typeface="Arial"/>
+                <a:cs typeface="Arial"/>
+              </a:rPr>
+              <a:t>São Paulo</a:t>
+            </a:r>
+          </a:p>
+        </p:txBody>
+      </p:sp>
+      <p:sp>
+        <p:nvSpPr>
+          <p:cNvPr id="57" name="TextBox 56">
+            <a:extLst>
+              <a:ext uri="{FF2B5EF4-FFF2-40B4-BE49-F238E27FC236}">
+                <a16:creationId xmlns:a16="http://schemas.microsoft.com/office/drawing/2014/main" id="{5B313BE6-D975-49A0-8808-9248C5E30C28}"/>
+              </a:ext>
+            </a:extLst>
+          </p:cNvPr>
+          <p:cNvSpPr txBox="1"/>
+          <p:nvPr/>
+        </p:nvSpPr>
+        <p:spPr>
+          <a:xfrm>
+            <a:off x="4678600" y="6237470"/>
+            <a:ext cx="2139569" cy="646331"/>
+          </a:xfrm>
+          <a:prstGeom prst="rect">
+            <a:avLst/>
+          </a:prstGeom>
+          <a:noFill/>
+        </p:spPr>
+        <p:txBody>
+          <a:bodyPr rot="0" spcFirstLastPara="0" vertOverflow="overflow" horzOverflow="overflow" vert="horz" wrap="square" lIns="91440" tIns="45720" rIns="91440" bIns="45720" numCol="1" spcCol="0" rtlCol="0" fromWordArt="0" anchor="t" anchorCtr="0" forceAA="0" compatLnSpc="1">
+            <a:prstTxWarp prst="textNoShape">
+              <a:avLst/>
+            </a:prstTxWarp>
+            <a:spAutoFit/>
+          </a:bodyPr>
+          <a:lstStyle/>
+          <a:p>
+            <a:r>
+              <a:rPr lang="en-US" sz="1200" dirty="0">
+                <a:cs typeface="Calibri"/>
+              </a:rPr>
+              <a:t>Smartphones, redes </a:t>
+            </a:r>
+            <a:r>
+              <a:rPr lang="en-US" sz="1200" dirty="0" err="1">
+                <a:cs typeface="Calibri"/>
+              </a:rPr>
+              <a:t>sociais</a:t>
+            </a:r>
+            <a:r>
+              <a:rPr lang="en-US" sz="1200" dirty="0">
+                <a:cs typeface="Calibri"/>
+              </a:rPr>
+              <a:t>, </a:t>
+            </a:r>
+            <a:r>
+              <a:rPr lang="en-US" sz="1200" dirty="0" err="1">
+                <a:cs typeface="Calibri"/>
+              </a:rPr>
+              <a:t>canais</a:t>
+            </a:r>
+            <a:r>
+              <a:rPr lang="en-US" sz="1200" dirty="0">
+                <a:cs typeface="Calibri"/>
+              </a:rPr>
+              <a:t> de </a:t>
+            </a:r>
+            <a:r>
+              <a:rPr lang="en-US" sz="1200" dirty="0" err="1">
+                <a:cs typeface="Calibri"/>
+              </a:rPr>
+              <a:t>entreterimento</a:t>
+            </a:r>
+            <a:r>
+              <a:rPr lang="en-US" sz="1200" dirty="0">
+                <a:cs typeface="Calibri"/>
+              </a:rPr>
+              <a:t>, Blogs, </a:t>
+            </a:r>
+            <a:r>
+              <a:rPr lang="en-US" sz="1200" dirty="0" err="1">
+                <a:cs typeface="Calibri"/>
+              </a:rPr>
+              <a:t>eventos</a:t>
+            </a:r>
+            <a:r>
+              <a:rPr lang="en-US" sz="1200" dirty="0">
+                <a:cs typeface="Calibri"/>
+              </a:rPr>
+              <a:t> </a:t>
+            </a:r>
+            <a:r>
+              <a:rPr lang="en-US" sz="1200" dirty="0" err="1">
+                <a:cs typeface="Calibri"/>
+              </a:rPr>
+              <a:t>empresariais</a:t>
+            </a:r>
+          </a:p>
+        </p:txBody>
+      </p:sp>
+      <p:pic>
+        <p:nvPicPr>
+          <p:cNvPr id="5" name="Imagem 20" descr="Mulher com cabelos longos&#10;&#10;Descrição gerada automaticamente">
+            <a:extLst>
+              <a:ext uri="{FF2B5EF4-FFF2-40B4-BE49-F238E27FC236}">
+                <a16:creationId xmlns:a16="http://schemas.microsoft.com/office/drawing/2014/main" id="{D6B822D6-D694-4A52-997E-5665A053D094}"/>
+              </a:ext>
+            </a:extLst>
+          </p:cNvPr>
+          <p:cNvPicPr>
+            <a:picLocks noChangeAspect="1"/>
+          </p:cNvPicPr>
+          <p:nvPr/>
+        </p:nvPicPr>
+        <p:blipFill>
+          <a:blip r:embed="rId5"/>
+          <a:stretch>
+            <a:fillRect/>
+          </a:stretch>
+        </p:blipFill>
+        <p:spPr>
+          <a:xfrm>
+            <a:off x="2557975" y="1337700"/>
+            <a:ext cx="1899476" cy="1142515"/>
+          </a:xfrm>
+          <a:prstGeom prst="rect">
+            <a:avLst/>
+          </a:prstGeom>
+        </p:spPr>
+      </p:pic>
+      <p:sp>
+        <p:nvSpPr>
+          <p:cNvPr id="6" name="TextBox 5">
+            <a:extLst>
+              <a:ext uri="{FF2B5EF4-FFF2-40B4-BE49-F238E27FC236}">
+                <a16:creationId xmlns:a16="http://schemas.microsoft.com/office/drawing/2014/main" id="{753FB039-05DE-48B0-82B6-F50ECBD8B012}"/>
+              </a:ext>
+            </a:extLst>
+          </p:cNvPr>
+          <p:cNvSpPr txBox="1"/>
+          <p:nvPr/>
+        </p:nvSpPr>
+        <p:spPr>
+          <a:xfrm>
+            <a:off x="2362158" y="2737318"/>
+            <a:ext cx="2374194" cy="738664"/>
+          </a:xfrm>
+          <a:prstGeom prst="rect">
+            <a:avLst/>
+          </a:prstGeom>
+          <a:noFill/>
+        </p:spPr>
+        <p:txBody>
+          <a:bodyPr rot="0" spcFirstLastPara="0" vertOverflow="overflow" horzOverflow="overflow" vert="horz" wrap="square" lIns="91440" tIns="45720" rIns="91440" bIns="45720" numCol="1" spcCol="0" rtlCol="0" fromWordArt="0" anchor="t" anchorCtr="0" forceAA="0" compatLnSpc="1">
+            <a:prstTxWarp prst="textNoShape">
+              <a:avLst/>
+            </a:prstTxWarp>
+            <a:spAutoFit/>
+          </a:bodyPr>
+          <a:lstStyle/>
+          <a:p>
+            <a:r>
+              <a:rPr lang="pt-BR" sz="1400" dirty="0">
+                <a:latin typeface="Arial"/>
+              </a:rPr>
+              <a:t>Minha vida é super corrida não tenho tempo para arrumar a casa.</a:t>
+            </a:r>
+            <a:endParaRPr lang="en-US" sz="1400">
+              <a:cs typeface="Calibri"/>
+            </a:endParaRPr>
+          </a:p>
+        </p:txBody>
+      </p:sp>
+      <p:pic>
+        <p:nvPicPr>
+          <p:cNvPr id="2" name="Picture 2" descr="Icon&#10;&#10;Description automatically generated">
+            <a:extLst>
+              <a:ext uri="{FF2B5EF4-FFF2-40B4-BE49-F238E27FC236}">
+                <a16:creationId xmlns:a16="http://schemas.microsoft.com/office/drawing/2014/main" id="{F696EBEA-E0AA-43B7-8B6B-2E1E9D246513}"/>
+              </a:ext>
+            </a:extLst>
+          </p:cNvPr>
+          <p:cNvPicPr>
+            <a:picLocks noChangeAspect="1"/>
+          </p:cNvPicPr>
+          <p:nvPr/>
+        </p:nvPicPr>
+        <p:blipFill>
+          <a:blip r:embed="rId6"/>
+          <a:stretch>
+            <a:fillRect/>
+          </a:stretch>
+        </p:blipFill>
+        <p:spPr>
+          <a:xfrm>
+            <a:off x="5655337" y="5397449"/>
+            <a:ext cx="325884" cy="292104"/>
+          </a:xfrm>
+          <a:prstGeom prst="rect">
+            <a:avLst/>
+          </a:prstGeom>
+        </p:spPr>
+      </p:pic>
+      <p:sp>
+        <p:nvSpPr>
+          <p:cNvPr id="3" name="TextBox 2">
+            <a:extLst>
+              <a:ext uri="{FF2B5EF4-FFF2-40B4-BE49-F238E27FC236}">
+                <a16:creationId xmlns:a16="http://schemas.microsoft.com/office/drawing/2014/main" id="{4C5CA70E-A1B4-4199-95EB-A4400306DF14}"/>
+              </a:ext>
+            </a:extLst>
+          </p:cNvPr>
+          <p:cNvSpPr txBox="1"/>
+          <p:nvPr/>
+        </p:nvSpPr>
+        <p:spPr>
+          <a:xfrm>
+            <a:off x="7207791" y="3329532"/>
+            <a:ext cx="2121717" cy="1277273"/>
+          </a:xfrm>
+          <a:prstGeom prst="rect">
+            <a:avLst/>
+          </a:prstGeom>
+          <a:noFill/>
+        </p:spPr>
+        <p:txBody>
+          <a:bodyPr rot="0" spcFirstLastPara="0" vertOverflow="overflow" horzOverflow="overflow" vert="horz" wrap="square" lIns="91440" tIns="45720" rIns="91440" bIns="45720" numCol="1" spcCol="0" rtlCol="0" fromWordArt="0" anchor="t" anchorCtr="0" forceAA="0" compatLnSpc="1">
+            <a:prstTxWarp prst="textNoShape">
+              <a:avLst/>
+            </a:prstTxWarp>
+            <a:spAutoFit/>
+          </a:bodyPr>
+          <a:lstStyle/>
+          <a:p>
+            <a:pPr>
+              <a:buChar char="•"/>
+            </a:pPr>
+            <a:r>
+              <a:rPr lang="en-US" sz="1100" dirty="0" err="1">
+                <a:latin typeface="Arial"/>
+                <a:cs typeface="Arial"/>
+              </a:rPr>
+              <a:t>Busca</a:t>
+            </a:r>
+            <a:r>
+              <a:rPr lang="en-US" sz="1100" dirty="0">
+                <a:latin typeface="Arial"/>
+                <a:cs typeface="Arial"/>
+              </a:rPr>
+              <a:t> </a:t>
+            </a:r>
+            <a:r>
+              <a:rPr lang="en-US" sz="1100" dirty="0" err="1">
+                <a:latin typeface="Arial"/>
+                <a:cs typeface="Arial"/>
+              </a:rPr>
+              <a:t>por</a:t>
+            </a:r>
+            <a:r>
+              <a:rPr lang="en-US" sz="1100" dirty="0">
+                <a:latin typeface="Arial"/>
+                <a:cs typeface="Arial"/>
+              </a:rPr>
+              <a:t> tempo livre para se </a:t>
+            </a:r>
+            <a:r>
+              <a:rPr lang="en-US" sz="1100" dirty="0" err="1">
+                <a:latin typeface="Arial"/>
+                <a:cs typeface="Arial"/>
+              </a:rPr>
+              <a:t>dedicar</a:t>
+            </a:r>
+            <a:r>
+              <a:rPr lang="en-US" sz="1100" dirty="0">
+                <a:latin typeface="Arial"/>
+                <a:cs typeface="Arial"/>
+              </a:rPr>
+              <a:t> a </a:t>
+            </a:r>
+            <a:r>
+              <a:rPr lang="en-US" sz="1100" dirty="0" err="1">
+                <a:latin typeface="Arial"/>
+                <a:cs typeface="Arial"/>
+              </a:rPr>
+              <a:t>outras</a:t>
+            </a:r>
+            <a:r>
+              <a:rPr lang="en-US" sz="1100" dirty="0">
+                <a:latin typeface="Arial"/>
+                <a:cs typeface="Arial"/>
+              </a:rPr>
+              <a:t> </a:t>
+            </a:r>
+            <a:r>
+              <a:rPr lang="en-US" sz="1100" dirty="0" err="1">
+                <a:latin typeface="Arial"/>
+                <a:cs typeface="Arial"/>
+              </a:rPr>
+              <a:t>atividades</a:t>
+            </a:r>
+            <a:endParaRPr lang="en-US" sz="1100">
+              <a:latin typeface="Arial"/>
+              <a:cs typeface="Arial"/>
+            </a:endParaRPr>
+          </a:p>
+          <a:p>
+            <a:pPr>
+              <a:buChar char="•"/>
+            </a:pPr>
+            <a:r>
+              <a:rPr lang="en-US" sz="1100" dirty="0" err="1">
+                <a:latin typeface="Arial"/>
+                <a:cs typeface="Arial"/>
+              </a:rPr>
+              <a:t>Busca</a:t>
+            </a:r>
+            <a:r>
+              <a:rPr lang="en-US" sz="1100" dirty="0">
+                <a:latin typeface="Arial"/>
+                <a:cs typeface="Arial"/>
+              </a:rPr>
+              <a:t> </a:t>
+            </a:r>
+            <a:r>
+              <a:rPr lang="en-US" sz="1100" dirty="0" err="1">
+                <a:latin typeface="Arial"/>
+                <a:cs typeface="Arial"/>
+              </a:rPr>
+              <a:t>por</a:t>
+            </a:r>
+            <a:r>
+              <a:rPr lang="en-US" sz="1100" dirty="0">
+                <a:latin typeface="Arial"/>
+                <a:cs typeface="Arial"/>
+              </a:rPr>
+              <a:t> </a:t>
+            </a:r>
+            <a:r>
+              <a:rPr lang="en-US" sz="1100" dirty="0" err="1">
+                <a:latin typeface="Arial"/>
+                <a:cs typeface="Arial"/>
+              </a:rPr>
+              <a:t>uma</a:t>
+            </a:r>
+            <a:r>
+              <a:rPr lang="en-US" sz="1100" dirty="0">
+                <a:latin typeface="Arial"/>
+                <a:cs typeface="Arial"/>
+              </a:rPr>
+              <a:t> casa sempre </a:t>
+            </a:r>
+            <a:r>
+              <a:rPr lang="en-US" sz="1100" dirty="0" err="1">
+                <a:latin typeface="Arial"/>
+                <a:cs typeface="Arial"/>
+              </a:rPr>
+              <a:t>limpa</a:t>
+            </a:r>
+            <a:r>
+              <a:rPr lang="en-US" sz="1100" dirty="0">
+                <a:latin typeface="Arial"/>
+                <a:cs typeface="Arial"/>
+              </a:rPr>
+              <a:t> e </a:t>
+            </a:r>
+            <a:r>
+              <a:rPr lang="en-US" sz="1100" dirty="0" err="1">
+                <a:latin typeface="Arial"/>
+                <a:cs typeface="Arial"/>
+              </a:rPr>
+              <a:t>arrumada</a:t>
+            </a:r>
+          </a:p>
+          <a:p>
+            <a:pPr>
+              <a:buChar char="•"/>
+            </a:pPr>
+            <a:r>
+              <a:rPr lang="en-US" sz="1100" dirty="0" err="1">
+                <a:latin typeface="Arial"/>
+                <a:cs typeface="Arial"/>
+              </a:rPr>
+              <a:t>Busca</a:t>
+            </a:r>
+            <a:r>
+              <a:rPr lang="en-US" sz="1100" dirty="0">
+                <a:latin typeface="Arial"/>
+                <a:cs typeface="Arial"/>
+              </a:rPr>
+              <a:t> </a:t>
+            </a:r>
+            <a:r>
+              <a:rPr lang="en-US" sz="1100" dirty="0" err="1">
+                <a:latin typeface="Arial"/>
+                <a:cs typeface="Arial"/>
+              </a:rPr>
+              <a:t>poder</a:t>
+            </a:r>
+            <a:r>
+              <a:rPr lang="en-US" sz="1100" dirty="0">
+                <a:latin typeface="Arial"/>
+                <a:cs typeface="Arial"/>
+              </a:rPr>
+              <a:t> </a:t>
+            </a:r>
+            <a:r>
+              <a:rPr lang="en-US" sz="1100" dirty="0" err="1">
+                <a:latin typeface="Arial"/>
+                <a:cs typeface="Arial"/>
+              </a:rPr>
+              <a:t>fazer</a:t>
+            </a:r>
+            <a:r>
+              <a:rPr lang="en-US" sz="1100" dirty="0">
+                <a:latin typeface="Arial"/>
+                <a:cs typeface="Arial"/>
+              </a:rPr>
+              <a:t> </a:t>
+            </a:r>
+            <a:r>
+              <a:rPr lang="en-US" sz="1100" dirty="0" err="1">
+                <a:latin typeface="Arial"/>
+                <a:cs typeface="Arial"/>
+              </a:rPr>
+              <a:t>sua</a:t>
+            </a:r>
+            <a:r>
+              <a:rPr lang="en-US" sz="1100" dirty="0">
+                <a:latin typeface="Arial"/>
+                <a:cs typeface="Arial"/>
+              </a:rPr>
+              <a:t> </a:t>
+            </a:r>
+            <a:r>
+              <a:rPr lang="en-US" sz="1100" dirty="0" err="1">
+                <a:latin typeface="Arial"/>
+                <a:cs typeface="Arial"/>
+              </a:rPr>
+              <a:t>bagunça</a:t>
+            </a:r>
+            <a:r>
+              <a:rPr lang="en-US" sz="1100" dirty="0">
+                <a:latin typeface="Arial"/>
+                <a:cs typeface="Arial"/>
+              </a:rPr>
+              <a:t> </a:t>
+            </a:r>
+            <a:r>
+              <a:rPr lang="en-US" sz="1100" dirty="0" err="1">
+                <a:latin typeface="Arial"/>
+                <a:cs typeface="Arial"/>
+              </a:rPr>
+              <a:t>sem</a:t>
+            </a:r>
+            <a:r>
+              <a:rPr lang="en-US" sz="1100" dirty="0">
+                <a:latin typeface="Arial"/>
+                <a:cs typeface="Arial"/>
+              </a:rPr>
+              <a:t> se </a:t>
+            </a:r>
+            <a:r>
+              <a:rPr lang="en-US" sz="1100" dirty="0" err="1">
+                <a:latin typeface="Arial"/>
+                <a:cs typeface="Arial"/>
+              </a:rPr>
+              <a:t>preocupar</a:t>
+            </a:r>
+            <a:r>
+              <a:rPr lang="en-US" sz="1100" dirty="0">
+                <a:latin typeface="Arial"/>
+                <a:cs typeface="Arial"/>
+              </a:rPr>
+              <a:t> </a:t>
+            </a:r>
+            <a:r>
+              <a:rPr lang="en-US" sz="1100" dirty="0" err="1">
+                <a:latin typeface="Arial"/>
+                <a:cs typeface="Arial"/>
+              </a:rPr>
+              <a:t>em</a:t>
+            </a:r>
+            <a:r>
+              <a:rPr lang="en-US" sz="1100" dirty="0">
+                <a:latin typeface="Arial"/>
+                <a:cs typeface="Arial"/>
+              </a:rPr>
+              <a:t> </a:t>
+            </a:r>
+            <a:r>
+              <a:rPr lang="en-US" sz="1100" dirty="0" err="1">
+                <a:latin typeface="Arial"/>
+                <a:cs typeface="Arial"/>
+              </a:rPr>
+              <a:t>ter</a:t>
+            </a:r>
+            <a:r>
+              <a:rPr lang="en-US" sz="1100" dirty="0">
+                <a:latin typeface="Arial"/>
+                <a:cs typeface="Arial"/>
+              </a:rPr>
+              <a:t> que </a:t>
+            </a:r>
+            <a:r>
+              <a:rPr lang="en-US" sz="1100" dirty="0" err="1">
+                <a:latin typeface="Arial"/>
+                <a:cs typeface="Arial"/>
+              </a:rPr>
+              <a:t>gastar</a:t>
+            </a:r>
+            <a:r>
+              <a:rPr lang="en-US" sz="1100" dirty="0">
+                <a:latin typeface="Arial"/>
+                <a:cs typeface="Arial"/>
+              </a:rPr>
+              <a:t> tempo </a:t>
+            </a:r>
+            <a:r>
+              <a:rPr lang="en-US" sz="1100" dirty="0" err="1">
+                <a:latin typeface="Arial"/>
+                <a:cs typeface="Arial"/>
+              </a:rPr>
+              <a:t>limpando</a:t>
+            </a:r>
+          </a:p>
+        </p:txBody>
+      </p:sp>
+    </p:spTree>
+    <p:extLst>
+      <p:ext uri="{BB962C8B-B14F-4D97-AF65-F5344CB8AC3E}">
+        <p14:creationId xmlns:p14="http://schemas.microsoft.com/office/powerpoint/2010/main" val="1463209557"/>
       </p:ext>
     </p:extLst>
   </p:cSld>
